--- a/ppt/转正答辨汇报_郑宇亮20191125.pptx
+++ b/ppt/转正答辨汇报_郑宇亮20191125.pptx
@@ -5,10 +5,10 @@
     <p:sldMasterId id="2147483648" r:id="rId1"/>
   </p:sldMasterIdLst>
   <p:notesMasterIdLst>
-    <p:notesMasterId r:id="rId16"/>
+    <p:notesMasterId r:id="rId18"/>
   </p:notesMasterIdLst>
   <p:handoutMasterIdLst>
-    <p:handoutMasterId r:id="rId17"/>
+    <p:handoutMasterId r:id="rId19"/>
   </p:handoutMasterIdLst>
   <p:sldIdLst>
     <p:sldId id="256" r:id="rId2"/>
@@ -16,15 +16,17 @@
     <p:sldId id="272" r:id="rId4"/>
     <p:sldId id="269" r:id="rId5"/>
     <p:sldId id="270" r:id="rId6"/>
-    <p:sldId id="262" r:id="rId7"/>
-    <p:sldId id="258" r:id="rId8"/>
-    <p:sldId id="266" r:id="rId9"/>
-    <p:sldId id="259" r:id="rId10"/>
-    <p:sldId id="260" r:id="rId11"/>
-    <p:sldId id="264" r:id="rId12"/>
-    <p:sldId id="267" r:id="rId13"/>
-    <p:sldId id="265" r:id="rId14"/>
-    <p:sldId id="268" r:id="rId15"/>
+    <p:sldId id="273" r:id="rId7"/>
+    <p:sldId id="274" r:id="rId8"/>
+    <p:sldId id="262" r:id="rId9"/>
+    <p:sldId id="258" r:id="rId10"/>
+    <p:sldId id="266" r:id="rId11"/>
+    <p:sldId id="259" r:id="rId12"/>
+    <p:sldId id="260" r:id="rId13"/>
+    <p:sldId id="264" r:id="rId14"/>
+    <p:sldId id="267" r:id="rId15"/>
+    <p:sldId id="265" r:id="rId16"/>
+    <p:sldId id="268" r:id="rId17"/>
   </p:sldIdLst>
   <p:sldSz cx="12190413" cy="6859588"/>
   <p:notesSz cx="6858000" cy="9144000"/>
@@ -1242,6 +1244,13 @@
         </dgm:presLayoutVars>
       </dgm:prSet>
       <dgm:spPr/>
+      <dgm:t>
+        <a:bodyPr/>
+        <a:lstStyle/>
+        <a:p>
+          <a:endParaRPr lang="zh-CN" altLang="en-US"/>
+        </a:p>
+      </dgm:t>
     </dgm:pt>
     <dgm:pt modelId="{81FC2604-13C1-42C8-AE20-57E310FAF539}" type="pres">
       <dgm:prSet presAssocID="{23D0D6FF-343C-4FF5-BB46-015B8BC66DCB}" presName="compNode" presStyleCnt="0"/>
@@ -1285,6 +1294,13 @@
         </dgm:presLayoutVars>
       </dgm:prSet>
       <dgm:spPr/>
+      <dgm:t>
+        <a:bodyPr/>
+        <a:lstStyle/>
+        <a:p>
+          <a:endParaRPr lang="zh-CN" altLang="en-US"/>
+        </a:p>
+      </dgm:t>
     </dgm:pt>
     <dgm:pt modelId="{A79B8F56-868D-42EB-BB28-18CE6CFBDC1E}" type="pres">
       <dgm:prSet presAssocID="{23D0D6FF-343C-4FF5-BB46-015B8BC66DCB}" presName="aSpace" presStyleCnt="0"/>
@@ -1332,6 +1348,13 @@
         </dgm:presLayoutVars>
       </dgm:prSet>
       <dgm:spPr/>
+      <dgm:t>
+        <a:bodyPr/>
+        <a:lstStyle/>
+        <a:p>
+          <a:endParaRPr lang="zh-CN" altLang="en-US"/>
+        </a:p>
+      </dgm:t>
     </dgm:pt>
     <dgm:pt modelId="{9D0CB5F0-1E6D-48B5-A94B-A4602277630F}" type="pres">
       <dgm:prSet presAssocID="{05CAED3D-1E83-4E26-8AC7-4A3C31B47280}" presName="aSpace" presStyleCnt="0"/>
@@ -1389,22 +1412,22 @@
     </dgm:pt>
   </dgm:ptLst>
   <dgm:cxnLst>
+    <dgm:cxn modelId="{B024EDC2-D051-4DA4-A561-1195C7B056E9}" type="presOf" srcId="{DE193731-8CB1-44BC-BCA2-D6C181B54466}" destId="{320F16D4-C055-4E2A-B440-3FBF315DB2B1}" srcOrd="0" destOrd="0" presId="urn:microsoft.com/office/officeart/2005/8/layout/hProcess6"/>
+    <dgm:cxn modelId="{4981F861-9EB4-4078-B9A5-AC70B6789837}" type="presOf" srcId="{124EA572-49D9-4112-B27B-63F4FC5A5844}" destId="{79785D49-2BEB-4230-B4D1-5E7986A9928A}" srcOrd="1" destOrd="0" presId="urn:microsoft.com/office/officeart/2005/8/layout/hProcess6"/>
+    <dgm:cxn modelId="{A36892C7-6BA1-4BB3-B3A1-8289893C12C3}" srcId="{05CAED3D-1E83-4E26-8AC7-4A3C31B47280}" destId="{19F2B716-B8E4-4CAA-A0DC-7CFDE15EA28E}" srcOrd="0" destOrd="0" parTransId="{B4E216D0-9519-4FE1-88C4-20155F568057}" sibTransId="{1D5CBD67-2B28-469D-BA37-BDFE6705A5C1}"/>
+    <dgm:cxn modelId="{0B7C6135-2898-4A23-A422-D8D60E09D246}" type="presOf" srcId="{C6932838-90DA-479B-B14E-1003CF6E2E8A}" destId="{595AF6A0-1A50-41F1-AB39-867865925363}" srcOrd="0" destOrd="0" presId="urn:microsoft.com/office/officeart/2005/8/layout/hProcess6"/>
     <dgm:cxn modelId="{684D8299-8F5C-4957-AB73-3EF5A9C7C1B4}" type="presOf" srcId="{8057072E-D494-4ADC-AECD-32535487562A}" destId="{6F940408-823D-40B7-BBD8-D79834D0295F}" srcOrd="0" destOrd="0" presId="urn:microsoft.com/office/officeart/2005/8/layout/hProcess6"/>
-    <dgm:cxn modelId="{B5A79A87-06A5-44F6-BEFB-2D1FF63D2910}" type="presOf" srcId="{8057072E-D494-4ADC-AECD-32535487562A}" destId="{18AB815E-F7A7-41E2-902C-8E64F88E99E9}" srcOrd="1" destOrd="0" presId="urn:microsoft.com/office/officeart/2005/8/layout/hProcess6"/>
+    <dgm:cxn modelId="{FCF9A377-D042-4D9B-8031-642D935061BB}" type="presOf" srcId="{05CAED3D-1E83-4E26-8AC7-4A3C31B47280}" destId="{41675DBB-902B-4169-ACCE-2D6FFF7965D3}" srcOrd="0" destOrd="0" presId="urn:microsoft.com/office/officeart/2005/8/layout/hProcess6"/>
     <dgm:cxn modelId="{E9834F41-C1DD-48FD-A8BF-D7D6C111777D}" srcId="{23D0D6FF-343C-4FF5-BB46-015B8BC66DCB}" destId="{124EA572-49D9-4112-B27B-63F4FC5A5844}" srcOrd="0" destOrd="0" parTransId="{7C65F673-7E38-4E59-B1F4-C6972CE48B0A}" sibTransId="{C73060E7-A5A6-4302-B351-308D62C8B568}"/>
     <dgm:cxn modelId="{7BBD5E3C-FA4F-48E3-A816-9DFDACC4DF42}" srcId="{C6932838-90DA-479B-B14E-1003CF6E2E8A}" destId="{DE193731-8CB1-44BC-BCA2-D6C181B54466}" srcOrd="2" destOrd="0" parTransId="{8AAA38D3-4FE5-4414-A296-9F8D3ECE0A11}" sibTransId="{8D435C11-8B79-4EF7-802B-99A267A39DDF}"/>
+    <dgm:cxn modelId="{05538CEA-B213-47C8-B797-DCB9839E8BE8}" type="presOf" srcId="{19F2B716-B8E4-4CAA-A0DC-7CFDE15EA28E}" destId="{779302E2-F9B4-4FBC-9A67-B048643EBB33}" srcOrd="0" destOrd="0" presId="urn:microsoft.com/office/officeart/2005/8/layout/hProcess6"/>
+    <dgm:cxn modelId="{799D3861-819C-4FA8-B968-90BF54724BEA}" type="presOf" srcId="{124EA572-49D9-4112-B27B-63F4FC5A5844}" destId="{1353629F-FB71-433C-BEF9-EDCDA5145FBF}" srcOrd="0" destOrd="0" presId="urn:microsoft.com/office/officeart/2005/8/layout/hProcess6"/>
+    <dgm:cxn modelId="{6DC8D6EA-E6EF-43C6-A57D-AFE4A1A09D5D}" type="presOf" srcId="{23D0D6FF-343C-4FF5-BB46-015B8BC66DCB}" destId="{80E2EEDE-356A-4A2A-B364-8099321DDA51}" srcOrd="0" destOrd="0" presId="urn:microsoft.com/office/officeart/2005/8/layout/hProcess6"/>
+    <dgm:cxn modelId="{B5A79A87-06A5-44F6-BEFB-2D1FF63D2910}" type="presOf" srcId="{8057072E-D494-4ADC-AECD-32535487562A}" destId="{18AB815E-F7A7-41E2-902C-8E64F88E99E9}" srcOrd="1" destOrd="0" presId="urn:microsoft.com/office/officeart/2005/8/layout/hProcess6"/>
+    <dgm:cxn modelId="{34E951C7-51D5-4BB1-B449-8CE9DA0ACCA4}" srcId="{DE193731-8CB1-44BC-BCA2-D6C181B54466}" destId="{8057072E-D494-4ADC-AECD-32535487562A}" srcOrd="0" destOrd="0" parTransId="{A671BC86-218D-4A73-9F53-EB85C8434FCB}" sibTransId="{AD3FABC4-BEF9-46A0-980D-1FFD5F744A6F}"/>
     <dgm:cxn modelId="{8493233D-21E8-4E48-9333-15ABAD0F58FC}" srcId="{C6932838-90DA-479B-B14E-1003CF6E2E8A}" destId="{23D0D6FF-343C-4FF5-BB46-015B8BC66DCB}" srcOrd="0" destOrd="0" parTransId="{BCB2BF1B-7BBB-48F0-99B8-C3C25D688824}" sibTransId="{BD339E01-CEBA-4C32-8B3A-5B7BF2AE22DA}"/>
     <dgm:cxn modelId="{7308AA98-C732-4CB5-8136-05AACB9CDE1C}" type="presOf" srcId="{19F2B716-B8E4-4CAA-A0DC-7CFDE15EA28E}" destId="{FACB0EFF-9836-4505-AD54-0B07F07330AF}" srcOrd="1" destOrd="0" presId="urn:microsoft.com/office/officeart/2005/8/layout/hProcess6"/>
-    <dgm:cxn modelId="{6DC8D6EA-E6EF-43C6-A57D-AFE4A1A09D5D}" type="presOf" srcId="{23D0D6FF-343C-4FF5-BB46-015B8BC66DCB}" destId="{80E2EEDE-356A-4A2A-B364-8099321DDA51}" srcOrd="0" destOrd="0" presId="urn:microsoft.com/office/officeart/2005/8/layout/hProcess6"/>
-    <dgm:cxn modelId="{B024EDC2-D051-4DA4-A561-1195C7B056E9}" type="presOf" srcId="{DE193731-8CB1-44BC-BCA2-D6C181B54466}" destId="{320F16D4-C055-4E2A-B440-3FBF315DB2B1}" srcOrd="0" destOrd="0" presId="urn:microsoft.com/office/officeart/2005/8/layout/hProcess6"/>
     <dgm:cxn modelId="{7B9FA622-7572-474B-92B8-5BA442EA9803}" srcId="{C6932838-90DA-479B-B14E-1003CF6E2E8A}" destId="{05CAED3D-1E83-4E26-8AC7-4A3C31B47280}" srcOrd="1" destOrd="0" parTransId="{C9DB8B83-BB73-4A89-A6E3-F87EE2513A83}" sibTransId="{226A0C1F-41E9-4CAD-8470-6726C8EB7965}"/>
-    <dgm:cxn modelId="{05538CEA-B213-47C8-B797-DCB9839E8BE8}" type="presOf" srcId="{19F2B716-B8E4-4CAA-A0DC-7CFDE15EA28E}" destId="{779302E2-F9B4-4FBC-9A67-B048643EBB33}" srcOrd="0" destOrd="0" presId="urn:microsoft.com/office/officeart/2005/8/layout/hProcess6"/>
-    <dgm:cxn modelId="{0B7C6135-2898-4A23-A422-D8D60E09D246}" type="presOf" srcId="{C6932838-90DA-479B-B14E-1003CF6E2E8A}" destId="{595AF6A0-1A50-41F1-AB39-867865925363}" srcOrd="0" destOrd="0" presId="urn:microsoft.com/office/officeart/2005/8/layout/hProcess6"/>
-    <dgm:cxn modelId="{4981F861-9EB4-4078-B9A5-AC70B6789837}" type="presOf" srcId="{124EA572-49D9-4112-B27B-63F4FC5A5844}" destId="{79785D49-2BEB-4230-B4D1-5E7986A9928A}" srcOrd="1" destOrd="0" presId="urn:microsoft.com/office/officeart/2005/8/layout/hProcess6"/>
-    <dgm:cxn modelId="{34E951C7-51D5-4BB1-B449-8CE9DA0ACCA4}" srcId="{DE193731-8CB1-44BC-BCA2-D6C181B54466}" destId="{8057072E-D494-4ADC-AECD-32535487562A}" srcOrd="0" destOrd="0" parTransId="{A671BC86-218D-4A73-9F53-EB85C8434FCB}" sibTransId="{AD3FABC4-BEF9-46A0-980D-1FFD5F744A6F}"/>
-    <dgm:cxn modelId="{A36892C7-6BA1-4BB3-B3A1-8289893C12C3}" srcId="{05CAED3D-1E83-4E26-8AC7-4A3C31B47280}" destId="{19F2B716-B8E4-4CAA-A0DC-7CFDE15EA28E}" srcOrd="0" destOrd="0" parTransId="{B4E216D0-9519-4FE1-88C4-20155F568057}" sibTransId="{1D5CBD67-2B28-469D-BA37-BDFE6705A5C1}"/>
-    <dgm:cxn modelId="{FCF9A377-D042-4D9B-8031-642D935061BB}" type="presOf" srcId="{05CAED3D-1E83-4E26-8AC7-4A3C31B47280}" destId="{41675DBB-902B-4169-ACCE-2D6FFF7965D3}" srcOrd="0" destOrd="0" presId="urn:microsoft.com/office/officeart/2005/8/layout/hProcess6"/>
-    <dgm:cxn modelId="{799D3861-819C-4FA8-B968-90BF54724BEA}" type="presOf" srcId="{124EA572-49D9-4112-B27B-63F4FC5A5844}" destId="{1353629F-FB71-433C-BEF9-EDCDA5145FBF}" srcOrd="0" destOrd="0" presId="urn:microsoft.com/office/officeart/2005/8/layout/hProcess6"/>
     <dgm:cxn modelId="{27B72366-59EF-40A9-8578-28984E04EC65}" type="presParOf" srcId="{595AF6A0-1A50-41F1-AB39-867865925363}" destId="{81FC2604-13C1-42C8-AE20-57E310FAF539}" srcOrd="0" destOrd="0" presId="urn:microsoft.com/office/officeart/2005/8/layout/hProcess6"/>
     <dgm:cxn modelId="{E9BC60A7-DCC5-46ED-8376-E48EF77369E5}" type="presParOf" srcId="{81FC2604-13C1-42C8-AE20-57E310FAF539}" destId="{990AFEC0-1ACF-44BA-AB08-7C5C4D2508A8}" srcOrd="0" destOrd="0" presId="urn:microsoft.com/office/officeart/2005/8/layout/hProcess6"/>
     <dgm:cxn modelId="{CEBDED4E-5589-402A-B170-C3F537147BE2}" type="presParOf" srcId="{81FC2604-13C1-42C8-AE20-57E310FAF539}" destId="{1353629F-FB71-433C-BEF9-EDCDA5145FBF}" srcOrd="1" destOrd="0" presId="urn:microsoft.com/office/officeart/2005/8/layout/hProcess6"/>
@@ -3418,7 +3441,7 @@
           <a:p>
             <a:fld id="{7629E3AC-8091-4146-B317-4D612A52BF26}" type="datetimeFigureOut">
               <a:rPr lang="zh-CN" altLang="en-US" smtClean="0"/>
-              <a:t>2019/11/26</a:t>
+              <a:t>2019/11/28</a:t>
             </a:fld>
             <a:endParaRPr lang="zh-CN" altLang="en-US"/>
           </a:p>
@@ -3583,7 +3606,7 @@
           <a:p>
             <a:fld id="{EC304816-DD2A-4A9D-B706-445EA026CBAF}" type="datetimeFigureOut">
               <a:rPr lang="zh-CN" altLang="en-US" smtClean="0"/>
-              <a:t>2019/11/26</a:t>
+              <a:t>2019/11/28</a:t>
             </a:fld>
             <a:endParaRPr lang="zh-CN" altLang="en-US"/>
           </a:p>
@@ -4126,7 +4149,7 @@
           <a:p>
             <a:fld id="{125686C4-2179-404C-BE64-A0E52DB7EF9B}" type="datetime1">
               <a:rPr lang="zh-CN" altLang="en-US" smtClean="0"/>
-              <a:t>2019/11/26</a:t>
+              <a:t>2019/11/28</a:t>
             </a:fld>
             <a:endParaRPr lang="zh-CN" altLang="en-US"/>
           </a:p>
@@ -4392,7 +4415,7 @@
           <a:p>
             <a:fld id="{53666686-8899-4FA5-BA0C-4D6EB012B856}" type="datetime1">
               <a:rPr lang="zh-CN" altLang="en-US" smtClean="0"/>
-              <a:t>2019/11/26</a:t>
+              <a:t>2019/11/28</a:t>
             </a:fld>
             <a:endParaRPr lang="zh-CN" altLang="en-US"/>
           </a:p>
@@ -4567,7 +4590,7 @@
           <a:p>
             <a:fld id="{BD348A6E-F0BE-48FE-A2FB-7D751961C5E7}" type="datetime1">
               <a:rPr lang="zh-CN" altLang="en-US" smtClean="0"/>
-              <a:t>2019/11/26</a:t>
+              <a:t>2019/11/28</a:t>
             </a:fld>
             <a:endParaRPr lang="zh-CN" altLang="en-US"/>
           </a:p>
@@ -4732,7 +4755,7 @@
           <a:p>
             <a:fld id="{271ECD05-9005-44B6-B4EC-ADABBAD4B069}" type="datetime1">
               <a:rPr lang="zh-CN" altLang="en-US" smtClean="0"/>
-              <a:t>2019/11/26</a:t>
+              <a:t>2019/11/28</a:t>
             </a:fld>
             <a:endParaRPr lang="zh-CN" altLang="en-US"/>
           </a:p>
@@ -5044,7 +5067,7 @@
           <a:p>
             <a:fld id="{B99013FC-0FA3-4629-A138-051DE63636E4}" type="datetime1">
               <a:rPr lang="zh-CN" altLang="en-US" smtClean="0"/>
-              <a:t>2019/11/26</a:t>
+              <a:t>2019/11/28</a:t>
             </a:fld>
             <a:endParaRPr lang="zh-CN" altLang="en-US"/>
           </a:p>
@@ -5403,7 +5426,7 @@
           <a:p>
             <a:fld id="{B65D1C5B-EE9D-4378-8AFE-C744DEADE6C4}" type="datetime1">
               <a:rPr lang="zh-CN" altLang="en-US" smtClean="0"/>
-              <a:t>2019/11/26</a:t>
+              <a:t>2019/11/28</a:t>
             </a:fld>
             <a:endParaRPr lang="zh-CN" altLang="en-US"/>
           </a:p>
@@ -5820,7 +5843,7 @@
           <a:p>
             <a:fld id="{6163DF98-A014-4428-918C-E98660367EBF}" type="datetime1">
               <a:rPr lang="zh-CN" altLang="en-US" smtClean="0"/>
-              <a:t>2019/11/26</a:t>
+              <a:t>2019/11/28</a:t>
             </a:fld>
             <a:endParaRPr lang="zh-CN" altLang="en-US"/>
           </a:p>
@@ -5933,7 +5956,7 @@
           <a:p>
             <a:fld id="{4493F03D-FD3C-420B-A15D-13C3FF286BCA}" type="datetime1">
               <a:rPr lang="zh-CN" altLang="en-US" smtClean="0"/>
-              <a:t>2019/11/26</a:t>
+              <a:t>2019/11/28</a:t>
             </a:fld>
             <a:endParaRPr lang="zh-CN" altLang="en-US"/>
           </a:p>
@@ -6023,7 +6046,7 @@
           <a:p>
             <a:fld id="{BC94F612-63AE-4E67-9BC9-507591B42FE2}" type="datetime1">
               <a:rPr lang="zh-CN" altLang="en-US" smtClean="0"/>
-              <a:t>2019/11/26</a:t>
+              <a:t>2019/11/28</a:t>
             </a:fld>
             <a:endParaRPr lang="zh-CN" altLang="en-US"/>
           </a:p>
@@ -6295,7 +6318,7 @@
           <a:p>
             <a:fld id="{9A73DF15-31B6-48DF-AE9B-E8BAC8B14450}" type="datetime1">
               <a:rPr lang="zh-CN" altLang="en-US" smtClean="0"/>
-              <a:t>2019/11/26</a:t>
+              <a:t>2019/11/28</a:t>
             </a:fld>
             <a:endParaRPr lang="zh-CN" altLang="en-US"/>
           </a:p>
@@ -6543,7 +6566,7 @@
           <a:p>
             <a:fld id="{B28958D0-B6B2-4DE8-AF36-AB3889EBED51}" type="datetime1">
               <a:rPr lang="zh-CN" altLang="en-US" smtClean="0"/>
-              <a:t>2019/11/26</a:t>
+              <a:t>2019/11/28</a:t>
             </a:fld>
             <a:endParaRPr lang="zh-CN" altLang="en-US"/>
           </a:p>
@@ -6751,7 +6774,7 @@
           <a:p>
             <a:fld id="{EB4E3577-BA2D-4EA5-B03E-AF10B6BFA4E8}" type="datetime1">
               <a:rPr lang="zh-CN" altLang="en-US" smtClean="0"/>
-              <a:t>2019/11/26</a:t>
+              <a:t>2019/11/28</a:t>
             </a:fld>
             <a:endParaRPr lang="zh-CN" altLang="en-US"/>
           </a:p>
@@ -7219,20 +7242,7 @@
                 <a:latin typeface="微软雅黑" pitchFamily="34" charset="-122"/>
                 <a:ea typeface="微软雅黑" pitchFamily="34" charset="-122"/>
               </a:rPr>
-              <a:t> </a:t>
-            </a:r>
-            <a:r>
-              <a:rPr lang="en-US" altLang="zh-CN" sz="1400" dirty="0">
-                <a:solidFill>
-                  <a:schemeClr val="tx1">
-                    <a:lumMod val="50000"/>
-                    <a:lumOff val="50000"/>
-                  </a:schemeClr>
-                </a:solidFill>
-                <a:latin typeface="微软雅黑" pitchFamily="34" charset="-122"/>
-                <a:ea typeface="微软雅黑" pitchFamily="34" charset="-122"/>
-              </a:rPr>
-              <a:t>  2019-12-02</a:t>
+              <a:t>   2019-12-02</a:t>
             </a:r>
             <a:endParaRPr lang="zh-CN" altLang="en-US" sz="1400" dirty="0">
               <a:solidFill>
@@ -7350,6 +7360,791 @@
       </p:grpSpPr>
       <p:sp>
         <p:nvSpPr>
+          <p:cNvPr id="4" name="内容占位符 5"/>
+          <p:cNvSpPr txBox="1">
+            <a:spLocks/>
+          </p:cNvSpPr>
+          <p:nvPr/>
+        </p:nvSpPr>
+        <p:spPr>
+          <a:xfrm>
+            <a:off x="609521" y="908931"/>
+            <a:ext cx="10957581" cy="5401851"/>
+          </a:xfrm>
+          <a:prstGeom prst="rect">
+            <a:avLst/>
+          </a:prstGeom>
+        </p:spPr>
+        <p:txBody>
+          <a:bodyPr lIns="108850" tIns="54425" rIns="108850" bIns="54425"/>
+          <a:lstStyle>
+            <a:lvl1pPr marL="342900" indent="-342900" algn="just" rtl="0" eaLnBrk="0" fontAlgn="base" hangingPunct="0">
+              <a:lnSpc>
+                <a:spcPct val="120000"/>
+              </a:lnSpc>
+              <a:spcBef>
+                <a:spcPct val="0"/>
+              </a:spcBef>
+              <a:spcAft>
+                <a:spcPct val="20000"/>
+              </a:spcAft>
+              <a:buClr>
+                <a:srgbClr val="5DB2FF"/>
+              </a:buClr>
+              <a:buSzPct val="80000"/>
+              <a:buFont typeface="方正书宋简体" pitchFamily="65" charset="-122"/>
+              <a:buChar char="n"/>
+              <a:defRPr sz="2400" b="1">
+                <a:solidFill>
+                  <a:schemeClr val="tx1"/>
+                </a:solidFill>
+                <a:latin typeface="+mn-lt"/>
+                <a:ea typeface="微软雅黑" pitchFamily="34" charset="-122"/>
+                <a:cs typeface="+mn-cs"/>
+              </a:defRPr>
+            </a:lvl1pPr>
+            <a:lvl2pPr marL="742950" indent="-285750" algn="just" rtl="0" eaLnBrk="0" fontAlgn="base" hangingPunct="0">
+              <a:lnSpc>
+                <a:spcPct val="120000"/>
+              </a:lnSpc>
+              <a:spcBef>
+                <a:spcPct val="0"/>
+              </a:spcBef>
+              <a:spcAft>
+                <a:spcPct val="20000"/>
+              </a:spcAft>
+              <a:buClr>
+                <a:srgbClr val="5DB2FF"/>
+              </a:buClr>
+              <a:buSzPct val="80000"/>
+              <a:buFont typeface="方正书宋简体" pitchFamily="65" charset="-122"/>
+              <a:buChar char="n"/>
+              <a:defRPr sz="2000" b="1">
+                <a:solidFill>
+                  <a:schemeClr val="tx1"/>
+                </a:solidFill>
+                <a:latin typeface="+mn-lt"/>
+                <a:ea typeface="微软雅黑" pitchFamily="34" charset="-122"/>
+              </a:defRPr>
+            </a:lvl2pPr>
+            <a:lvl3pPr marL="1143000" indent="-228600" algn="just" rtl="0" eaLnBrk="0" fontAlgn="base" hangingPunct="0">
+              <a:lnSpc>
+                <a:spcPct val="120000"/>
+              </a:lnSpc>
+              <a:spcBef>
+                <a:spcPct val="0"/>
+              </a:spcBef>
+              <a:spcAft>
+                <a:spcPct val="20000"/>
+              </a:spcAft>
+              <a:buClr>
+                <a:srgbClr val="5DB2FF"/>
+              </a:buClr>
+              <a:buSzPct val="80000"/>
+              <a:buFont typeface="方正书宋简体" pitchFamily="65" charset="-122"/>
+              <a:buChar char="n"/>
+              <a:defRPr sz="2400" b="1">
+                <a:solidFill>
+                  <a:schemeClr val="tx1"/>
+                </a:solidFill>
+                <a:latin typeface="+mn-lt"/>
+                <a:ea typeface="微软雅黑" pitchFamily="34" charset="-122"/>
+              </a:defRPr>
+            </a:lvl3pPr>
+            <a:lvl4pPr marL="1600200" indent="-228600" algn="just" rtl="0" eaLnBrk="0" fontAlgn="base" hangingPunct="0">
+              <a:lnSpc>
+                <a:spcPct val="120000"/>
+              </a:lnSpc>
+              <a:spcBef>
+                <a:spcPct val="0"/>
+              </a:spcBef>
+              <a:spcAft>
+                <a:spcPct val="20000"/>
+              </a:spcAft>
+              <a:buClr>
+                <a:srgbClr val="5DB2FF"/>
+              </a:buClr>
+              <a:buSzPct val="80000"/>
+              <a:buFont typeface="方正书宋简体" pitchFamily="65" charset="-122"/>
+              <a:buChar char="n"/>
+              <a:defRPr sz="1600" b="1">
+                <a:solidFill>
+                  <a:schemeClr val="tx1"/>
+                </a:solidFill>
+                <a:latin typeface="+mn-lt"/>
+                <a:ea typeface="微软雅黑" pitchFamily="34" charset="-122"/>
+              </a:defRPr>
+            </a:lvl4pPr>
+            <a:lvl5pPr marL="2057400" indent="-228600" algn="l" rtl="0" eaLnBrk="0" fontAlgn="base" hangingPunct="0">
+              <a:lnSpc>
+                <a:spcPct val="120000"/>
+              </a:lnSpc>
+              <a:spcBef>
+                <a:spcPct val="0"/>
+              </a:spcBef>
+              <a:spcAft>
+                <a:spcPct val="20000"/>
+              </a:spcAft>
+              <a:buClr>
+                <a:srgbClr val="5DB2FF"/>
+              </a:buClr>
+              <a:buSzPct val="80000"/>
+              <a:buFont typeface="方正书宋简体" pitchFamily="65" charset="-122"/>
+              <a:buChar char="n"/>
+              <a:defRPr sz="1000" b="1">
+                <a:solidFill>
+                  <a:schemeClr val="tx1"/>
+                </a:solidFill>
+                <a:latin typeface="+mn-lt"/>
+                <a:ea typeface="微软雅黑" pitchFamily="34" charset="-122"/>
+              </a:defRPr>
+            </a:lvl5pPr>
+            <a:lvl6pPr marL="2514600" indent="-228600" algn="l" rtl="0" eaLnBrk="1" fontAlgn="base" hangingPunct="1">
+              <a:lnSpc>
+                <a:spcPct val="120000"/>
+              </a:lnSpc>
+              <a:spcBef>
+                <a:spcPct val="0"/>
+              </a:spcBef>
+              <a:spcAft>
+                <a:spcPct val="20000"/>
+              </a:spcAft>
+              <a:buClr>
+                <a:srgbClr val="5DB2FF"/>
+              </a:buClr>
+              <a:buSzPct val="80000"/>
+              <a:buFont typeface="Wingdings" pitchFamily="2" charset="2"/>
+              <a:buChar char="n"/>
+              <a:defRPr sz="1000" b="1">
+                <a:solidFill>
+                  <a:schemeClr val="tx1"/>
+                </a:solidFill>
+                <a:latin typeface="+mn-lt"/>
+                <a:ea typeface="新細明體" pitchFamily="18" charset="-120"/>
+              </a:defRPr>
+            </a:lvl6pPr>
+            <a:lvl7pPr marL="2971800" indent="-228600" algn="l" rtl="0" eaLnBrk="1" fontAlgn="base" hangingPunct="1">
+              <a:lnSpc>
+                <a:spcPct val="120000"/>
+              </a:lnSpc>
+              <a:spcBef>
+                <a:spcPct val="0"/>
+              </a:spcBef>
+              <a:spcAft>
+                <a:spcPct val="20000"/>
+              </a:spcAft>
+              <a:buClr>
+                <a:srgbClr val="5DB2FF"/>
+              </a:buClr>
+              <a:buSzPct val="80000"/>
+              <a:buFont typeface="Wingdings" pitchFamily="2" charset="2"/>
+              <a:buChar char="n"/>
+              <a:defRPr sz="1000" b="1">
+                <a:solidFill>
+                  <a:schemeClr val="tx1"/>
+                </a:solidFill>
+                <a:latin typeface="+mn-lt"/>
+                <a:ea typeface="新細明體" pitchFamily="18" charset="-120"/>
+              </a:defRPr>
+            </a:lvl7pPr>
+            <a:lvl8pPr marL="3429000" indent="-228600" algn="l" rtl="0" eaLnBrk="1" fontAlgn="base" hangingPunct="1">
+              <a:lnSpc>
+                <a:spcPct val="120000"/>
+              </a:lnSpc>
+              <a:spcBef>
+                <a:spcPct val="0"/>
+              </a:spcBef>
+              <a:spcAft>
+                <a:spcPct val="20000"/>
+              </a:spcAft>
+              <a:buClr>
+                <a:srgbClr val="5DB2FF"/>
+              </a:buClr>
+              <a:buSzPct val="80000"/>
+              <a:buFont typeface="Wingdings" pitchFamily="2" charset="2"/>
+              <a:buChar char="n"/>
+              <a:defRPr sz="1000" b="1">
+                <a:solidFill>
+                  <a:schemeClr val="tx1"/>
+                </a:solidFill>
+                <a:latin typeface="+mn-lt"/>
+                <a:ea typeface="新細明體" pitchFamily="18" charset="-120"/>
+              </a:defRPr>
+            </a:lvl8pPr>
+            <a:lvl9pPr marL="3886200" indent="-228600" algn="l" rtl="0" eaLnBrk="1" fontAlgn="base" hangingPunct="1">
+              <a:lnSpc>
+                <a:spcPct val="120000"/>
+              </a:lnSpc>
+              <a:spcBef>
+                <a:spcPct val="0"/>
+              </a:spcBef>
+              <a:spcAft>
+                <a:spcPct val="20000"/>
+              </a:spcAft>
+              <a:buClr>
+                <a:srgbClr val="5DB2FF"/>
+              </a:buClr>
+              <a:buSzPct val="80000"/>
+              <a:buFont typeface="Wingdings" pitchFamily="2" charset="2"/>
+              <a:buChar char="n"/>
+              <a:defRPr sz="1000" b="1">
+                <a:solidFill>
+                  <a:schemeClr val="tx1"/>
+                </a:solidFill>
+                <a:latin typeface="+mn-lt"/>
+                <a:ea typeface="新細明體" pitchFamily="18" charset="-120"/>
+              </a:defRPr>
+            </a:lvl9pPr>
+          </a:lstStyle>
+          <a:p>
+            <a:pPr marL="0" indent="0">
+              <a:spcBef>
+                <a:spcPts val="1428"/>
+              </a:spcBef>
+              <a:spcAft>
+                <a:spcPts val="1428"/>
+              </a:spcAft>
+              <a:buNone/>
+            </a:pPr>
+            <a:r>
+              <a:rPr lang="zh-CN" altLang="en-US" b="0" dirty="0" smtClean="0"/>
+              <a:t>试用期内主要工作内容：</a:t>
+            </a:r>
+            <a:endParaRPr lang="en-US" altLang="zh-CN" b="0" dirty="0" smtClean="0"/>
+          </a:p>
+          <a:p>
+            <a:pPr>
+              <a:spcBef>
+                <a:spcPts val="1428"/>
+              </a:spcBef>
+              <a:spcAft>
+                <a:spcPts val="1428"/>
+              </a:spcAft>
+              <a:buFont typeface="Wingdings" pitchFamily="2" charset="2"/>
+              <a:buChar char="l"/>
+            </a:pPr>
+            <a:r>
+              <a:rPr lang="zh-CN" altLang="en-US" b="0" dirty="0" smtClean="0"/>
+              <a:t>小组文档博客的搭建</a:t>
+            </a:r>
+            <a:endParaRPr lang="en-US" altLang="zh-CN" b="0" dirty="0" smtClean="0"/>
+          </a:p>
+          <a:p>
+            <a:pPr marL="0" indent="0">
+              <a:spcBef>
+                <a:spcPts val="1428"/>
+              </a:spcBef>
+              <a:spcAft>
+                <a:spcPts val="1428"/>
+              </a:spcAft>
+              <a:buNone/>
+            </a:pPr>
+            <a:r>
+              <a:rPr lang="zh-CN" altLang="en-US" b="0" dirty="0" smtClean="0"/>
+              <a:t>（</a:t>
+            </a:r>
+            <a:r>
+              <a:rPr lang="en-US" altLang="zh-CN" b="0" dirty="0"/>
+              <a:t>http://192.168.75.252:9080/group-docs/#/</a:t>
+            </a:r>
+            <a:r>
+              <a:rPr lang="zh-CN" altLang="en-US" b="0" dirty="0" smtClean="0"/>
+              <a:t>）</a:t>
+            </a:r>
+            <a:endParaRPr lang="en-US" altLang="zh-CN" b="0" dirty="0" smtClean="0"/>
+          </a:p>
+          <a:p>
+            <a:pPr>
+              <a:spcBef>
+                <a:spcPts val="1428"/>
+              </a:spcBef>
+              <a:spcAft>
+                <a:spcPts val="1428"/>
+              </a:spcAft>
+              <a:buFont typeface="Wingdings" pitchFamily="2" charset="2"/>
+              <a:buChar char="l"/>
+            </a:pPr>
+            <a:r>
+              <a:rPr lang="zh-CN" altLang="en-US" b="0" dirty="0" smtClean="0"/>
+              <a:t>单车停车桩管理</a:t>
+            </a:r>
+            <a:r>
+              <a:rPr lang="en-US" altLang="zh-CN" b="0" dirty="0" smtClean="0"/>
+              <a:t>App</a:t>
+            </a:r>
+            <a:endParaRPr lang="zh-CN" altLang="en-US" b="0" dirty="0" smtClean="0"/>
+          </a:p>
+          <a:p>
+            <a:pPr>
+              <a:spcBef>
+                <a:spcPts val="1428"/>
+              </a:spcBef>
+              <a:spcAft>
+                <a:spcPts val="1428"/>
+              </a:spcAft>
+              <a:buFont typeface="Wingdings" pitchFamily="2" charset="2"/>
+              <a:buChar char="l"/>
+            </a:pPr>
+            <a:r>
+              <a:rPr lang="zh-CN" altLang="en-US" b="0" dirty="0"/>
+              <a:t>云</a:t>
+            </a:r>
+            <a:r>
+              <a:rPr lang="zh-CN" altLang="en-US" b="0" dirty="0" smtClean="0"/>
+              <a:t>锁管家移动</a:t>
+            </a:r>
+            <a:r>
+              <a:rPr lang="en-US" altLang="zh-CN" b="0" dirty="0" smtClean="0"/>
+              <a:t>App</a:t>
+            </a:r>
+          </a:p>
+          <a:p>
+            <a:pPr>
+              <a:spcBef>
+                <a:spcPts val="1428"/>
+              </a:spcBef>
+              <a:spcAft>
+                <a:spcPts val="1428"/>
+              </a:spcAft>
+              <a:buFont typeface="Wingdings" pitchFamily="2" charset="2"/>
+              <a:buChar char="l"/>
+            </a:pPr>
+            <a:r>
+              <a:rPr lang="zh-CN" altLang="en-US" b="0" dirty="0"/>
+              <a:t>云</a:t>
+            </a:r>
+            <a:r>
+              <a:rPr lang="zh-CN" altLang="en-US" b="0" dirty="0" smtClean="0"/>
+              <a:t>锁</a:t>
+            </a:r>
+            <a:r>
+              <a:rPr lang="en-US" altLang="zh-CN" b="0" dirty="0" smtClean="0"/>
+              <a:t>Web</a:t>
+            </a:r>
+            <a:r>
+              <a:rPr lang="zh-CN" altLang="en-US" b="0" dirty="0" smtClean="0"/>
+              <a:t>管理系统</a:t>
+            </a:r>
+            <a:endParaRPr lang="en-US" altLang="zh-CN" b="0" dirty="0" smtClean="0"/>
+          </a:p>
+        </p:txBody>
+      </p:sp>
+    </p:spTree>
+    <p:extLst>
+      <p:ext uri="{BB962C8B-B14F-4D97-AF65-F5344CB8AC3E}">
+        <p14:creationId xmlns:p14="http://schemas.microsoft.com/office/powerpoint/2010/main" val="2350004476"/>
+      </p:ext>
+    </p:extLst>
+  </p:cSld>
+  <p:clrMapOvr>
+    <a:masterClrMapping/>
+  </p:clrMapOvr>
+  <p:timing>
+    <p:tnLst>
+      <p:par>
+        <p:cTn id="1" dur="indefinite" restart="never" nodeType="tmRoot"/>
+      </p:par>
+    </p:tnLst>
+  </p:timing>
+</p:sld>
+</file>
+
+<file path=ppt/slides/slide11.xml><?xml version="1.0" encoding="utf-8"?>
+<p:sld xmlns:a="http://schemas.openxmlformats.org/drawingml/2006/main" xmlns:r="http://schemas.openxmlformats.org/officeDocument/2006/relationships" xmlns:p="http://schemas.openxmlformats.org/presentationml/2006/main">
+  <p:cSld>
+    <p:spTree>
+      <p:nvGrpSpPr>
+        <p:cNvPr id="1" name=""/>
+        <p:cNvGrpSpPr/>
+        <p:nvPr/>
+      </p:nvGrpSpPr>
+      <p:grpSpPr>
+        <a:xfrm>
+          <a:off x="0" y="0"/>
+          <a:ext cx="0" cy="0"/>
+          <a:chOff x="0" y="0"/>
+          <a:chExt cx="0" cy="0"/>
+        </a:xfrm>
+      </p:grpSpPr>
+      <p:sp>
+        <p:nvSpPr>
+          <p:cNvPr id="4" name="内容占位符 5"/>
+          <p:cNvSpPr txBox="1">
+            <a:spLocks/>
+          </p:cNvSpPr>
+          <p:nvPr/>
+        </p:nvSpPr>
+        <p:spPr>
+          <a:xfrm>
+            <a:off x="335317" y="1701202"/>
+            <a:ext cx="11519780" cy="4105406"/>
+          </a:xfrm>
+          <a:prstGeom prst="rect">
+            <a:avLst/>
+          </a:prstGeom>
+        </p:spPr>
+        <p:txBody>
+          <a:bodyPr vert="horz" lIns="108850" tIns="54425" rIns="108850" bIns="54425" rtlCol="0">
+            <a:normAutofit/>
+          </a:bodyPr>
+          <a:lstStyle>
+            <a:lvl1pPr marL="342900" indent="-342900" algn="l" defTabSz="914400" rtl="0" eaLnBrk="1" latinLnBrk="0" hangingPunct="1">
+              <a:spcBef>
+                <a:spcPct val="20000"/>
+              </a:spcBef>
+              <a:buFont typeface="Arial" pitchFamily="34" charset="0"/>
+              <a:buChar char="•"/>
+              <a:defRPr sz="3200" kern="1200">
+                <a:solidFill>
+                  <a:schemeClr val="tx1"/>
+                </a:solidFill>
+                <a:latin typeface="+mn-lt"/>
+                <a:ea typeface="+mn-ea"/>
+                <a:cs typeface="+mn-cs"/>
+              </a:defRPr>
+            </a:lvl1pPr>
+            <a:lvl2pPr marL="742950" indent="-285750" algn="l" defTabSz="914400" rtl="0" eaLnBrk="1" latinLnBrk="0" hangingPunct="1">
+              <a:spcBef>
+                <a:spcPct val="20000"/>
+              </a:spcBef>
+              <a:buFont typeface="Arial" pitchFamily="34" charset="0"/>
+              <a:buChar char="–"/>
+              <a:defRPr sz="2800" kern="1200">
+                <a:solidFill>
+                  <a:schemeClr val="tx1"/>
+                </a:solidFill>
+                <a:latin typeface="+mn-lt"/>
+                <a:ea typeface="+mn-ea"/>
+                <a:cs typeface="+mn-cs"/>
+              </a:defRPr>
+            </a:lvl2pPr>
+            <a:lvl3pPr marL="1143000" indent="-228600" algn="l" defTabSz="914400" rtl="0" eaLnBrk="1" latinLnBrk="0" hangingPunct="1">
+              <a:spcBef>
+                <a:spcPct val="20000"/>
+              </a:spcBef>
+              <a:buFont typeface="Arial" pitchFamily="34" charset="0"/>
+              <a:buChar char="•"/>
+              <a:defRPr sz="2400" kern="1200">
+                <a:solidFill>
+                  <a:schemeClr val="tx1"/>
+                </a:solidFill>
+                <a:latin typeface="+mn-lt"/>
+                <a:ea typeface="+mn-ea"/>
+                <a:cs typeface="+mn-cs"/>
+              </a:defRPr>
+            </a:lvl3pPr>
+            <a:lvl4pPr marL="1600200" indent="-228600" algn="l" defTabSz="914400" rtl="0" eaLnBrk="1" latinLnBrk="0" hangingPunct="1">
+              <a:spcBef>
+                <a:spcPct val="20000"/>
+              </a:spcBef>
+              <a:buFont typeface="Arial" pitchFamily="34" charset="0"/>
+              <a:buChar char="–"/>
+              <a:defRPr sz="2000" kern="1200">
+                <a:solidFill>
+                  <a:schemeClr val="tx1"/>
+                </a:solidFill>
+                <a:latin typeface="+mn-lt"/>
+                <a:ea typeface="+mn-ea"/>
+                <a:cs typeface="+mn-cs"/>
+              </a:defRPr>
+            </a:lvl4pPr>
+            <a:lvl5pPr marL="2057400" indent="-228600" algn="l" defTabSz="914400" rtl="0" eaLnBrk="1" latinLnBrk="0" hangingPunct="1">
+              <a:spcBef>
+                <a:spcPct val="20000"/>
+              </a:spcBef>
+              <a:buFont typeface="Arial" pitchFamily="34" charset="0"/>
+              <a:buChar char="»"/>
+              <a:defRPr sz="2000" kern="1200">
+                <a:solidFill>
+                  <a:schemeClr val="tx1"/>
+                </a:solidFill>
+                <a:latin typeface="+mn-lt"/>
+                <a:ea typeface="+mn-ea"/>
+                <a:cs typeface="+mn-cs"/>
+              </a:defRPr>
+            </a:lvl5pPr>
+            <a:lvl6pPr marL="2514600" indent="-228600" algn="l" defTabSz="914400" rtl="0" eaLnBrk="1" latinLnBrk="0" hangingPunct="1">
+              <a:spcBef>
+                <a:spcPct val="20000"/>
+              </a:spcBef>
+              <a:buFont typeface="Arial" pitchFamily="34" charset="0"/>
+              <a:buChar char="•"/>
+              <a:defRPr sz="2000" kern="1200">
+                <a:solidFill>
+                  <a:schemeClr val="tx1"/>
+                </a:solidFill>
+                <a:latin typeface="+mn-lt"/>
+                <a:ea typeface="+mn-ea"/>
+                <a:cs typeface="+mn-cs"/>
+              </a:defRPr>
+            </a:lvl6pPr>
+            <a:lvl7pPr marL="2971800" indent="-228600" algn="l" defTabSz="914400" rtl="0" eaLnBrk="1" latinLnBrk="0" hangingPunct="1">
+              <a:spcBef>
+                <a:spcPct val="20000"/>
+              </a:spcBef>
+              <a:buFont typeface="Arial" pitchFamily="34" charset="0"/>
+              <a:buChar char="•"/>
+              <a:defRPr sz="2000" kern="1200">
+                <a:solidFill>
+                  <a:schemeClr val="tx1"/>
+                </a:solidFill>
+                <a:latin typeface="+mn-lt"/>
+                <a:ea typeface="+mn-ea"/>
+                <a:cs typeface="+mn-cs"/>
+              </a:defRPr>
+            </a:lvl7pPr>
+            <a:lvl8pPr marL="3429000" indent="-228600" algn="l" defTabSz="914400" rtl="0" eaLnBrk="1" latinLnBrk="0" hangingPunct="1">
+              <a:spcBef>
+                <a:spcPct val="20000"/>
+              </a:spcBef>
+              <a:buFont typeface="Arial" pitchFamily="34" charset="0"/>
+              <a:buChar char="•"/>
+              <a:defRPr sz="2000" kern="1200">
+                <a:solidFill>
+                  <a:schemeClr val="tx1"/>
+                </a:solidFill>
+                <a:latin typeface="+mn-lt"/>
+                <a:ea typeface="+mn-ea"/>
+                <a:cs typeface="+mn-cs"/>
+              </a:defRPr>
+            </a:lvl8pPr>
+            <a:lvl9pPr marL="3886200" indent="-228600" algn="l" defTabSz="914400" rtl="0" eaLnBrk="1" latinLnBrk="0" hangingPunct="1">
+              <a:spcBef>
+                <a:spcPct val="20000"/>
+              </a:spcBef>
+              <a:buFont typeface="Arial" pitchFamily="34" charset="0"/>
+              <a:buChar char="•"/>
+              <a:defRPr sz="2000" kern="1200">
+                <a:solidFill>
+                  <a:schemeClr val="tx1"/>
+                </a:solidFill>
+                <a:latin typeface="+mn-lt"/>
+                <a:ea typeface="+mn-ea"/>
+                <a:cs typeface="+mn-cs"/>
+              </a:defRPr>
+            </a:lvl9pPr>
+          </a:lstStyle>
+          <a:p>
+            <a:pPr>
+              <a:spcBef>
+                <a:spcPts val="1428"/>
+              </a:spcBef>
+              <a:spcAft>
+                <a:spcPts val="1428"/>
+              </a:spcAft>
+              <a:buFont typeface="Wingdings" pitchFamily="2" charset="2"/>
+              <a:buChar char="l"/>
+            </a:pPr>
+            <a:r>
+              <a:rPr lang="zh-CN" altLang="en-US" dirty="0" smtClean="0">
+                <a:latin typeface="微软雅黑" pitchFamily="34" charset="-122"/>
+              </a:rPr>
+              <a:t>技术上收获：</a:t>
+            </a:r>
+            <a:endParaRPr lang="en-US" altLang="zh-CN" dirty="0" smtClean="0">
+              <a:latin typeface="微软雅黑" pitchFamily="34" charset="-122"/>
+            </a:endParaRPr>
+          </a:p>
+          <a:p>
+            <a:pPr>
+              <a:spcBef>
+                <a:spcPts val="1428"/>
+              </a:spcBef>
+              <a:spcAft>
+                <a:spcPts val="1428"/>
+              </a:spcAft>
+              <a:buFont typeface="Arial" pitchFamily="34" charset="0"/>
+              <a:buAutoNum type="arabicPeriod"/>
+            </a:pPr>
+            <a:r>
+              <a:rPr lang="en-US" altLang="zh-CN" sz="2100" dirty="0">
+                <a:latin typeface="微软雅黑" pitchFamily="34" charset="-122"/>
+              </a:rPr>
+              <a:t>从研发的过程中进一步熟悉了vue框架使用，掌握了npm，node，webpack，vue-cli，es6，element-ui, </a:t>
+            </a:r>
+            <a:r>
+              <a:rPr lang="en-US" altLang="zh-CN" sz="2100" dirty="0" err="1">
+                <a:latin typeface="微软雅黑" pitchFamily="34" charset="-122"/>
+              </a:rPr>
+              <a:t>vue</a:t>
+            </a:r>
+            <a:r>
+              <a:rPr lang="en-US" altLang="zh-CN" sz="2100" dirty="0">
+                <a:latin typeface="微软雅黑" pitchFamily="34" charset="-122"/>
+              </a:rPr>
+              <a:t>-router, </a:t>
+            </a:r>
+            <a:r>
+              <a:rPr lang="en-US" altLang="zh-CN" sz="2100" dirty="0" err="1">
+                <a:latin typeface="微软雅黑" pitchFamily="34" charset="-122"/>
+              </a:rPr>
+              <a:t>vuex等很多的知识和框架</a:t>
+            </a:r>
+            <a:r>
+              <a:rPr lang="en-US" altLang="zh-CN" sz="2100" dirty="0">
+                <a:latin typeface="微软雅黑" pitchFamily="34" charset="-122"/>
+              </a:rPr>
+              <a:t>。</a:t>
+            </a:r>
+          </a:p>
+          <a:p>
+            <a:pPr>
+              <a:spcBef>
+                <a:spcPts val="1428"/>
+              </a:spcBef>
+              <a:spcAft>
+                <a:spcPts val="1428"/>
+              </a:spcAft>
+              <a:buFont typeface="Arial" pitchFamily="34" charset="0"/>
+              <a:buAutoNum type="arabicPeriod"/>
+            </a:pPr>
+            <a:r>
+              <a:rPr lang="en-US" altLang="zh-CN" sz="2100" dirty="0" err="1">
+                <a:latin typeface="微软雅黑" pitchFamily="34" charset="-122"/>
+              </a:rPr>
+              <a:t>解决跨域问题</a:t>
+            </a:r>
+            <a:r>
+              <a:rPr lang="zh-CN" altLang="en-US" sz="2100" dirty="0">
+                <a:latin typeface="微软雅黑" pitchFamily="34" charset="-122"/>
+              </a:rPr>
+              <a:t>；</a:t>
+            </a:r>
+            <a:r>
+              <a:rPr lang="en-US" altLang="zh-CN" sz="2100" dirty="0" err="1">
+                <a:latin typeface="微软雅黑" pitchFamily="34" charset="-122"/>
+              </a:rPr>
+              <a:t>ios</a:t>
+            </a:r>
+            <a:r>
+              <a:rPr lang="zh-CN" altLang="en-US" sz="2100" dirty="0">
+                <a:latin typeface="微软雅黑" pitchFamily="34" charset="-122"/>
+              </a:rPr>
+              <a:t>对</a:t>
+            </a:r>
+            <a:r>
+              <a:rPr lang="en-US" altLang="zh-CN" sz="2100" dirty="0" err="1">
+                <a:latin typeface="微软雅黑" pitchFamily="34" charset="-122"/>
+              </a:rPr>
+              <a:t>css</a:t>
+            </a:r>
+            <a:r>
+              <a:rPr lang="zh-CN" altLang="en-US" sz="2100" dirty="0">
+                <a:latin typeface="微软雅黑" pitchFamily="34" charset="-122"/>
+              </a:rPr>
+              <a:t>的</a:t>
+            </a:r>
+            <a:r>
+              <a:rPr lang="en-US" altLang="zh-CN" sz="2100" dirty="0">
+                <a:latin typeface="微软雅黑" pitchFamily="34" charset="-122"/>
+              </a:rPr>
+              <a:t>flex</a:t>
+            </a:r>
+            <a:r>
+              <a:rPr lang="zh-CN" altLang="en-US" sz="2100" dirty="0">
+                <a:latin typeface="微软雅黑" pitchFamily="34" charset="-122"/>
+              </a:rPr>
+              <a:t>的兼容性问题。</a:t>
+            </a:r>
+            <a:endParaRPr lang="en-US" altLang="zh-CN" sz="2100" dirty="0">
+              <a:latin typeface="微软雅黑" pitchFamily="34" charset="-122"/>
+            </a:endParaRPr>
+          </a:p>
+          <a:p>
+            <a:pPr>
+              <a:spcBef>
+                <a:spcPts val="1428"/>
+              </a:spcBef>
+              <a:spcAft>
+                <a:spcPts val="1428"/>
+              </a:spcAft>
+              <a:buFont typeface="Arial" pitchFamily="34" charset="0"/>
+              <a:buAutoNum type="arabicPeriod"/>
+            </a:pPr>
+            <a:r>
+              <a:rPr lang="zh-CN" altLang="en-US" sz="2100" dirty="0">
+                <a:latin typeface="微软雅黑" pitchFamily="34" charset="-122"/>
+              </a:rPr>
+              <a:t>使用</a:t>
+            </a:r>
+            <a:r>
+              <a:rPr lang="en-US" altLang="zh-CN" sz="2100" dirty="0" err="1">
+                <a:latin typeface="微软雅黑" pitchFamily="34" charset="-122"/>
+              </a:rPr>
+              <a:t>requirejs</a:t>
+            </a:r>
+            <a:r>
+              <a:rPr lang="zh-CN" altLang="en-US" sz="2100" dirty="0">
+                <a:latin typeface="微软雅黑" pitchFamily="34" charset="-122"/>
+              </a:rPr>
+              <a:t>动态依赖加载前端代码，解决手动引入组件之间的关系。</a:t>
+            </a:r>
+            <a:endParaRPr lang="en-US" altLang="zh-CN" sz="2100" dirty="0">
+              <a:latin typeface="微软雅黑" pitchFamily="34" charset="-122"/>
+            </a:endParaRPr>
+          </a:p>
+          <a:p>
+            <a:pPr>
+              <a:spcBef>
+                <a:spcPts val="1428"/>
+              </a:spcBef>
+              <a:spcAft>
+                <a:spcPts val="1428"/>
+              </a:spcAft>
+              <a:buFont typeface="Arial" pitchFamily="34" charset="0"/>
+              <a:buAutoNum type="arabicPeriod"/>
+            </a:pPr>
+            <a:r>
+              <a:rPr lang="zh-CN" altLang="en-US" sz="2100" dirty="0">
+                <a:latin typeface="微软雅黑" pitchFamily="34" charset="-122"/>
+              </a:rPr>
+              <a:t>学习到了用户体验的一些知识，对前端页面整体布局设计有一定的帮助。</a:t>
+            </a:r>
+            <a:endParaRPr lang="en-US" altLang="zh-CN" sz="2100" dirty="0">
+              <a:latin typeface="微软雅黑" pitchFamily="34" charset="-122"/>
+            </a:endParaRPr>
+          </a:p>
+        </p:txBody>
+      </p:sp>
+    </p:spTree>
+    <p:extLst>
+      <p:ext uri="{BB962C8B-B14F-4D97-AF65-F5344CB8AC3E}">
+        <p14:creationId xmlns:p14="http://schemas.microsoft.com/office/powerpoint/2010/main" val="2515548133"/>
+      </p:ext>
+    </p:extLst>
+  </p:cSld>
+  <p:clrMapOvr>
+    <a:masterClrMapping/>
+  </p:clrMapOvr>
+  <p:timing>
+    <p:tnLst>
+      <p:par>
+        <p:cTn id="1" dur="indefinite" restart="never" nodeType="tmRoot"/>
+      </p:par>
+    </p:tnLst>
+  </p:timing>
+</p:sld>
+</file>
+
+<file path=ppt/slides/slide12.xml><?xml version="1.0" encoding="utf-8"?>
+<p:sld xmlns:a="http://schemas.openxmlformats.org/drawingml/2006/main" xmlns:r="http://schemas.openxmlformats.org/officeDocument/2006/relationships" xmlns:p="http://schemas.openxmlformats.org/presentationml/2006/main">
+  <p:cSld>
+    <p:spTree>
+      <p:nvGrpSpPr>
+        <p:cNvPr id="1" name=""/>
+        <p:cNvGrpSpPr/>
+        <p:nvPr/>
+      </p:nvGrpSpPr>
+      <p:grpSpPr>
+        <a:xfrm>
+          <a:off x="0" y="0"/>
+          <a:ext cx="0" cy="0"/>
+          <a:chOff x="0" y="0"/>
+          <a:chExt cx="0" cy="0"/>
+        </a:xfrm>
+      </p:grpSpPr>
+      <p:sp>
+        <p:nvSpPr>
           <p:cNvPr id="4" name="内容占位符 2"/>
           <p:cNvSpPr>
             <a:spLocks noGrp="1"/>
@@ -7433,11 +8228,7 @@
             </a:r>
             <a:r>
               <a:rPr lang="zh-CN" altLang="en-US" sz="2100" dirty="0"/>
-              <a:t>服务</a:t>
-            </a:r>
-            <a:r>
-              <a:rPr lang="zh-CN" altLang="en-US" sz="2100" dirty="0"/>
-              <a:t>端端</a:t>
+              <a:t>服务端端</a:t>
             </a:r>
             <a:r>
               <a:rPr lang="en-US" altLang="zh-CN" sz="2100" dirty="0" err="1"/>
@@ -7473,7 +8264,6 @@
               <a:rPr lang="zh-CN" altLang="en-US" sz="2100" dirty="0"/>
               <a:t>存放全局的状态数据</a:t>
             </a:r>
-            <a:endParaRPr lang="zh-CN" altLang="en-US" sz="2100" dirty="0"/>
           </a:p>
         </p:txBody>
       </p:sp>
@@ -7497,7 +8287,7 @@
 </p:sld>
 </file>
 
-<file path=ppt/slides/slide11.xml><?xml version="1.0" encoding="utf-8"?>
+<file path=ppt/slides/slide13.xml><?xml version="1.0" encoding="utf-8"?>
 <p:sld xmlns:a="http://schemas.openxmlformats.org/drawingml/2006/main" xmlns:r="http://schemas.openxmlformats.org/officeDocument/2006/relationships" xmlns:p="http://schemas.openxmlformats.org/presentationml/2006/main">
   <p:cSld>
     <p:spTree>
@@ -7792,9 +8582,6 @@
               </a:rPr>
               <a:t>希望有团建活动</a:t>
             </a:r>
-            <a:endParaRPr lang="zh-CN" altLang="en-US" sz="2400" dirty="0">
-              <a:latin typeface="微软雅黑" panose="020B0503020204020204" pitchFamily="34" charset="-122"/>
-            </a:endParaRPr>
           </a:p>
         </p:txBody>
       </p:sp>
@@ -7818,7 +8605,7 @@
 </p:sld>
 </file>
 
-<file path=ppt/slides/slide12.xml><?xml version="1.0" encoding="utf-8"?>
+<file path=ppt/slides/slide14.xml><?xml version="1.0" encoding="utf-8"?>
 <p:sld xmlns:a="http://schemas.openxmlformats.org/drawingml/2006/main" xmlns:r="http://schemas.openxmlformats.org/officeDocument/2006/relationships" xmlns:p="http://schemas.openxmlformats.org/presentationml/2006/main">
   <p:cSld>
     <p:spTree>
@@ -7877,10 +8664,6 @@
               </a:rPr>
               <a:t>企业融入</a:t>
             </a:r>
-            <a:endParaRPr lang="zh-CN" altLang="en-US" sz="2900" b="1" dirty="0">
-              <a:latin typeface="微软雅黑" pitchFamily="34" charset="-122"/>
-              <a:ea typeface="微软雅黑" pitchFamily="34" charset="-122"/>
-            </a:endParaRPr>
           </a:p>
         </p:txBody>
       </p:sp>
@@ -8043,7 +8826,7 @@
 </p:sld>
 </file>
 
-<file path=ppt/slides/slide13.xml><?xml version="1.0" encoding="utf-8"?>
+<file path=ppt/slides/slide15.xml><?xml version="1.0" encoding="utf-8"?>
 <p:sld xmlns:a="http://schemas.openxmlformats.org/drawingml/2006/main" xmlns:r="http://schemas.openxmlformats.org/officeDocument/2006/relationships" xmlns:p="http://schemas.openxmlformats.org/presentationml/2006/main">
   <p:cSld>
     <p:spTree>
@@ -8254,7 +9037,7 @@
 </p:sld>
 </file>
 
-<file path=ppt/slides/slide14.xml><?xml version="1.0" encoding="utf-8"?>
+<file path=ppt/slides/slide16.xml><?xml version="1.0" encoding="utf-8"?>
 <p:sld xmlns:a="http://schemas.openxmlformats.org/drawingml/2006/main" xmlns:r="http://schemas.openxmlformats.org/officeDocument/2006/relationships" xmlns:p="http://schemas.openxmlformats.org/presentationml/2006/main">
   <p:cSld>
     <p:spTree>
@@ -9093,10 +9876,6 @@
               </a:rPr>
               <a:t>：郑宇亮</a:t>
             </a:r>
-            <a:endParaRPr lang="zh-CN" altLang="en-US" sz="2900" dirty="0">
-              <a:latin typeface="微软雅黑" pitchFamily="34" charset="-122"/>
-              <a:ea typeface="微软雅黑" pitchFamily="34" charset="-122"/>
-            </a:endParaRPr>
           </a:p>
         </p:txBody>
       </p:sp>
@@ -9147,10 +9926,6 @@
               </a:rPr>
               <a:t>：广东惠州</a:t>
             </a:r>
-            <a:endParaRPr lang="zh-CN" altLang="en-US" sz="2900" dirty="0">
-              <a:latin typeface="微软雅黑" pitchFamily="34" charset="-122"/>
-              <a:ea typeface="微软雅黑" pitchFamily="34" charset="-122"/>
-            </a:endParaRPr>
           </a:p>
         </p:txBody>
       </p:sp>
@@ -9201,10 +9976,6 @@
               </a:rPr>
               <a:t>：李俊楠</a:t>
             </a:r>
-            <a:endParaRPr lang="zh-CN" altLang="en-US" sz="2900" dirty="0">
-              <a:latin typeface="微软雅黑" pitchFamily="34" charset="-122"/>
-              <a:ea typeface="微软雅黑" pitchFamily="34" charset="-122"/>
-            </a:endParaRPr>
           </a:p>
         </p:txBody>
       </p:sp>
@@ -9318,10 +10089,6 @@
               </a:rPr>
               <a:t>：软件产品部</a:t>
             </a:r>
-            <a:endParaRPr lang="zh-CN" altLang="en-US" sz="2900" dirty="0">
-              <a:latin typeface="微软雅黑" pitchFamily="34" charset="-122"/>
-              <a:ea typeface="微软雅黑" pitchFamily="34" charset="-122"/>
-            </a:endParaRPr>
           </a:p>
         </p:txBody>
       </p:sp>
@@ -9386,10 +10153,6 @@
               </a:rPr>
               <a:t>软件工程师</a:t>
             </a:r>
-            <a:endParaRPr lang="zh-CN" altLang="en-US" sz="2900" dirty="0">
-              <a:latin typeface="微软雅黑" pitchFamily="34" charset="-122"/>
-              <a:ea typeface="微软雅黑" pitchFamily="34" charset="-122"/>
-            </a:endParaRPr>
           </a:p>
         </p:txBody>
       </p:sp>
@@ -9488,20 +10251,7 @@
                 <a:latin typeface="微软雅黑" pitchFamily="34" charset="-122"/>
                 <a:ea typeface="微软雅黑" pitchFamily="34" charset="-122"/>
               </a:rPr>
-              <a:t>毕业</a:t>
-            </a:r>
-            <a:r>
-              <a:rPr lang="zh-CN" altLang="en-US" dirty="0" smtClean="0">
-                <a:solidFill>
-                  <a:schemeClr val="tx1">
-                    <a:lumMod val="50000"/>
-                    <a:lumOff val="50000"/>
-                  </a:schemeClr>
-                </a:solidFill>
-                <a:latin typeface="微软雅黑" pitchFamily="34" charset="-122"/>
-                <a:ea typeface="微软雅黑" pitchFamily="34" charset="-122"/>
-              </a:rPr>
-              <a:t>于广东海洋大学</a:t>
+              <a:t>毕业于广东海洋大学</a:t>
             </a:r>
             <a:endParaRPr lang="zh-CN" altLang="en-US" dirty="0">
               <a:solidFill>
@@ -9649,20 +10399,7 @@
                 <a:latin typeface="微软雅黑" pitchFamily="34" charset="-122"/>
                 <a:ea typeface="微软雅黑" pitchFamily="34" charset="-122"/>
               </a:rPr>
-              <a:t>→</a:t>
-            </a:r>
-            <a:r>
-              <a:rPr lang="zh-CN" altLang="en-US" dirty="0" smtClean="0">
-                <a:solidFill>
-                  <a:schemeClr val="tx1">
-                    <a:lumMod val="50000"/>
-                    <a:lumOff val="50000"/>
-                  </a:schemeClr>
-                </a:solidFill>
-                <a:latin typeface="微软雅黑" pitchFamily="34" charset="-122"/>
-                <a:ea typeface="微软雅黑" pitchFamily="34" charset="-122"/>
-              </a:rPr>
-              <a:t>珠海</a:t>
+              <a:t>→珠海</a:t>
             </a:r>
             <a:endParaRPr lang="zh-CN" altLang="en-US" dirty="0">
               <a:solidFill>
@@ -9814,13 +10551,6 @@
               </a:rPr>
               <a:t>自己</a:t>
             </a:r>
-            <a:endParaRPr lang="zh-CN" altLang="en-US" sz="3800" dirty="0">
-              <a:solidFill>
-                <a:srgbClr val="C00000"/>
-              </a:solidFill>
-              <a:latin typeface="微软雅黑" pitchFamily="34" charset="-122"/>
-              <a:ea typeface="微软雅黑" pitchFamily="34" charset="-122"/>
-            </a:endParaRPr>
           </a:p>
         </p:txBody>
       </p:sp>
@@ -9944,16 +10674,6 @@
               </a:rPr>
               <a:t>自我介绍</a:t>
             </a:r>
-            <a:endParaRPr lang="zh-CN" altLang="en-US" sz="1700" dirty="0">
-              <a:solidFill>
-                <a:schemeClr val="tx1">
-                  <a:lumMod val="50000"/>
-                  <a:lumOff val="50000"/>
-                </a:schemeClr>
-              </a:solidFill>
-              <a:latin typeface="微软雅黑" pitchFamily="34" charset="-122"/>
-              <a:ea typeface="微软雅黑" pitchFamily="34" charset="-122"/>
-            </a:endParaRPr>
           </a:p>
         </p:txBody>
       </p:sp>
@@ -10264,14 +10984,7 @@
                 <a:latin typeface="微软雅黑" pitchFamily="34" charset="-122"/>
                 <a:ea typeface="微软雅黑" pitchFamily="34" charset="-122"/>
               </a:rPr>
-              <a:t>北京北大青鸟安全系统工程技术</a:t>
-            </a:r>
-            <a:r>
-              <a:rPr lang="zh-CN" altLang="en-US" sz="1200" cap="all" dirty="0">
-                <a:latin typeface="微软雅黑" pitchFamily="34" charset="-122"/>
-                <a:ea typeface="微软雅黑" pitchFamily="34" charset="-122"/>
-              </a:rPr>
-              <a:t>有限公司 </a:t>
+              <a:t>北京北大青鸟安全系统工程技术有限公司 </a:t>
             </a:r>
             <a:r>
               <a:rPr lang="en-US" altLang="zh-CN" sz="1200" cap="all" dirty="0">
@@ -10288,17 +11001,7 @@
                   </a:schemeClr>
                 </a:solidFill>
               </a:rPr>
-              <a:t>前端</a:t>
-            </a:r>
-            <a:r>
-              <a:rPr lang="zh-CN" altLang="en-US" sz="1200" cap="all" dirty="0">
-                <a:solidFill>
-                  <a:schemeClr val="accent6">
-                    <a:lumMod val="75000"/>
-                  </a:schemeClr>
-                </a:solidFill>
-              </a:rPr>
-              <a:t>开发</a:t>
+              <a:t>前端开发</a:t>
             </a:r>
             <a:r>
               <a:rPr lang="en-US" altLang="zh-CN" sz="1200" cap="all" dirty="0">
@@ -10318,17 +11021,7 @@
                   </a:schemeClr>
                 </a:solidFill>
               </a:rPr>
-              <a:t>网页</a:t>
-            </a:r>
-            <a:r>
-              <a:rPr lang="zh-CN" altLang="en-US" sz="1200" cap="all" dirty="0">
-                <a:solidFill>
-                  <a:schemeClr val="accent6">
-                    <a:lumMod val="75000"/>
-                  </a:schemeClr>
-                </a:solidFill>
-              </a:rPr>
-              <a:t>设计</a:t>
+              <a:t>网页设计</a:t>
             </a:r>
             <a:r>
               <a:rPr lang="zh-CN" altLang="en-US" sz="1200" cap="all" dirty="0">
@@ -10403,14 +11096,7 @@
                 <a:latin typeface="微软雅黑" pitchFamily="34" charset="-122"/>
                 <a:ea typeface="微软雅黑" pitchFamily="34" charset="-122"/>
               </a:rPr>
-              <a:t>步步高教育电子</a:t>
-            </a:r>
-            <a:r>
-              <a:rPr lang="zh-CN" altLang="en-US" sz="1200" cap="all" dirty="0">
-                <a:latin typeface="微软雅黑" pitchFamily="34" charset="-122"/>
-                <a:ea typeface="微软雅黑" pitchFamily="34" charset="-122"/>
-              </a:rPr>
-              <a:t>有限公司 </a:t>
+              <a:t>步步高教育电子有限公司 </a:t>
             </a:r>
             <a:r>
               <a:rPr lang="en-US" altLang="zh-CN" sz="1200" cap="all" dirty="0">
@@ -10567,14 +11253,7 @@
                 <a:latin typeface="微软雅黑" pitchFamily="34" charset="-122"/>
                 <a:ea typeface="微软雅黑" pitchFamily="34" charset="-122"/>
               </a:rPr>
-              <a:t>远光软件开发</a:t>
-            </a:r>
-            <a:r>
-              <a:rPr lang="zh-CN" altLang="en-US" sz="1200" cap="all" dirty="0">
-                <a:latin typeface="微软雅黑" pitchFamily="34" charset="-122"/>
-                <a:ea typeface="微软雅黑" pitchFamily="34" charset="-122"/>
-              </a:rPr>
-              <a:t>有限公司 </a:t>
+              <a:t>远光软件开发有限公司 </a:t>
             </a:r>
             <a:r>
               <a:rPr lang="en-US" altLang="zh-CN" sz="1200" cap="all" dirty="0">
@@ -10757,16 +11436,6 @@
               </a:rPr>
               <a:t>工业设计专业</a:t>
             </a:r>
-            <a:endParaRPr lang="zh-CN" altLang="en-US" sz="1700" cap="all" dirty="0">
-              <a:solidFill>
-                <a:schemeClr val="tx1">
-                  <a:lumMod val="50000"/>
-                  <a:lumOff val="50000"/>
-                </a:schemeClr>
-              </a:solidFill>
-              <a:latin typeface="微软雅黑" pitchFamily="34" charset="-122"/>
-              <a:ea typeface="微软雅黑" pitchFamily="34" charset="-122"/>
-            </a:endParaRPr>
           </a:p>
         </p:txBody>
       </p:sp>
@@ -10796,14 +11465,7 @@
                 <a:latin typeface="微软雅黑" pitchFamily="34" charset="-122"/>
                 <a:ea typeface="微软雅黑" pitchFamily="34" charset="-122"/>
               </a:rPr>
-              <a:t>深圳市华德防伪技术开发</a:t>
-            </a:r>
-            <a:r>
-              <a:rPr lang="zh-CN" altLang="en-US" sz="1200" cap="all" dirty="0">
-                <a:latin typeface="微软雅黑" pitchFamily="34" charset="-122"/>
-                <a:ea typeface="微软雅黑" pitchFamily="34" charset="-122"/>
-              </a:rPr>
-              <a:t>有限公司 </a:t>
+              <a:t>深圳市华德防伪技术开发有限公司 </a:t>
             </a:r>
             <a:r>
               <a:rPr lang="en-US" altLang="zh-CN" sz="1200" cap="all" dirty="0">
@@ -10885,6 +11547,391 @@
 </file>
 
 <file path=ppt/slides/slide6.xml><?xml version="1.0" encoding="utf-8"?>
+<p:sld xmlns:a="http://schemas.openxmlformats.org/drawingml/2006/main" xmlns:r="http://schemas.openxmlformats.org/officeDocument/2006/relationships" xmlns:p="http://schemas.openxmlformats.org/presentationml/2006/main">
+  <p:cSld>
+    <p:spTree>
+      <p:nvGrpSpPr>
+        <p:cNvPr id="1" name=""/>
+        <p:cNvGrpSpPr/>
+        <p:nvPr/>
+      </p:nvGrpSpPr>
+      <p:grpSpPr>
+        <a:xfrm>
+          <a:off x="0" y="0"/>
+          <a:ext cx="0" cy="0"/>
+          <a:chOff x="0" y="0"/>
+          <a:chExt cx="0" cy="0"/>
+        </a:xfrm>
+      </p:grpSpPr>
+      <p:sp>
+        <p:nvSpPr>
+          <p:cNvPr id="4" name="TextBox 3"/>
+          <p:cNvSpPr txBox="1"/>
+          <p:nvPr/>
+        </p:nvSpPr>
+        <p:spPr>
+          <a:xfrm>
+            <a:off x="1486694" y="693490"/>
+            <a:ext cx="2608406" cy="415498"/>
+          </a:xfrm>
+          <a:prstGeom prst="rect">
+            <a:avLst/>
+          </a:prstGeom>
+          <a:noFill/>
+        </p:spPr>
+        <p:txBody>
+          <a:bodyPr wrap="none" rtlCol="0">
+            <a:spAutoFit/>
+          </a:bodyPr>
+          <a:lstStyle/>
+          <a:p>
+            <a:r>
+              <a:rPr lang="zh-CN" altLang="en-US" dirty="0" smtClean="0"/>
+              <a:t>试用期主要工作内容</a:t>
+            </a:r>
+            <a:endParaRPr lang="zh-CN" altLang="en-US" dirty="0"/>
+          </a:p>
+        </p:txBody>
+      </p:sp>
+      <p:sp>
+        <p:nvSpPr>
+          <p:cNvPr id="5" name="TextBox 4"/>
+          <p:cNvSpPr txBox="1"/>
+          <p:nvPr/>
+        </p:nvSpPr>
+        <p:spPr>
+          <a:xfrm>
+            <a:off x="1486694" y="1413570"/>
+            <a:ext cx="9721080" cy="3970318"/>
+          </a:xfrm>
+          <a:prstGeom prst="rect">
+            <a:avLst/>
+          </a:prstGeom>
+          <a:noFill/>
+        </p:spPr>
+        <p:txBody>
+          <a:bodyPr wrap="square" rtlCol="0">
+            <a:spAutoFit/>
+          </a:bodyPr>
+          <a:lstStyle/>
+          <a:p>
+            <a:r>
+              <a:rPr lang="zh-CN" altLang="en-US" dirty="0"/>
+              <a:t>试用期学习</a:t>
+            </a:r>
+          </a:p>
+          <a:p>
+            <a:r>
+              <a:rPr lang="zh-CN" altLang="en-US" dirty="0"/>
+              <a:t>了解并掌握了前端的各种规范内容</a:t>
+            </a:r>
+          </a:p>
+          <a:p>
+            <a:r>
+              <a:rPr lang="zh-CN" altLang="en-US" dirty="0"/>
+              <a:t>了解前端开发流程</a:t>
+            </a:r>
+          </a:p>
+          <a:p>
+            <a:r>
+              <a:rPr lang="zh-CN" altLang="en-US" dirty="0"/>
+              <a:t>协助云锁小程序测试</a:t>
+            </a:r>
+          </a:p>
+          <a:p>
+            <a:r>
+              <a:rPr lang="en-US" altLang="zh-CN" dirty="0"/>
+              <a:t>1</a:t>
+            </a:r>
+            <a:r>
+              <a:rPr lang="zh-CN" altLang="en-US" dirty="0"/>
+              <a:t>：培训 </a:t>
+            </a:r>
+          </a:p>
+          <a:p>
+            <a:r>
+              <a:rPr lang="zh-CN" altLang="en-US" dirty="0"/>
+              <a:t>	</a:t>
+            </a:r>
+            <a:r>
+              <a:rPr lang="en-US" altLang="zh-CN" dirty="0"/>
+              <a:t>1-1</a:t>
+            </a:r>
+            <a:r>
+              <a:rPr lang="zh-CN" altLang="en-US" dirty="0"/>
+              <a:t>：公司培训  新员工手册培训（应知应会、信息与安全知识等公司培训及完成考试）、市场与财务相关培训</a:t>
+            </a:r>
+          </a:p>
+          <a:p>
+            <a:r>
+              <a:rPr lang="zh-CN" altLang="en-US" dirty="0"/>
+              <a:t>	</a:t>
+            </a:r>
+            <a:r>
+              <a:rPr lang="en-US" altLang="zh-CN" dirty="0"/>
+              <a:t>1-2</a:t>
+            </a:r>
+            <a:r>
+              <a:rPr lang="zh-CN" altLang="en-US" dirty="0"/>
+              <a:t>：技能培训  专利申请相关培训​、</a:t>
+            </a:r>
+            <a:r>
+              <a:rPr lang="en-US" altLang="zh-CN" dirty="0" err="1"/>
+              <a:t>git</a:t>
+            </a:r>
+            <a:r>
+              <a:rPr lang="en-US" altLang="zh-CN" dirty="0"/>
+              <a:t>-flow</a:t>
+            </a:r>
+            <a:r>
+              <a:rPr lang="zh-CN" altLang="en-US" dirty="0"/>
+              <a:t>、</a:t>
+            </a:r>
+            <a:r>
+              <a:rPr lang="en-US" altLang="zh-CN" dirty="0" err="1"/>
+              <a:t>redis</a:t>
+            </a:r>
+            <a:r>
+              <a:rPr lang="zh-CN" altLang="en-US" dirty="0"/>
+              <a:t>介绍、通用云平台等培训等</a:t>
+            </a:r>
+          </a:p>
+          <a:p>
+            <a:r>
+              <a:rPr lang="en-US" altLang="zh-CN" dirty="0"/>
+              <a:t>2</a:t>
+            </a:r>
+            <a:r>
+              <a:rPr lang="zh-CN" altLang="en-US" dirty="0"/>
+              <a:t>：工作</a:t>
+            </a:r>
+          </a:p>
+          <a:p>
+            <a:r>
+              <a:rPr lang="zh-CN" altLang="en-US" dirty="0"/>
+              <a:t>	</a:t>
+            </a:r>
+            <a:r>
+              <a:rPr lang="en-US" altLang="zh-CN" dirty="0"/>
+              <a:t>2-1</a:t>
+            </a:r>
+            <a:r>
+              <a:rPr lang="zh-CN" altLang="en-US" dirty="0"/>
+              <a:t>：优特云锁管理系统 设备列表及操作记录列表</a:t>
+            </a:r>
+          </a:p>
+          <a:p>
+            <a:r>
+              <a:rPr lang="zh-CN" altLang="en-US" dirty="0"/>
+              <a:t>	</a:t>
+            </a:r>
+            <a:r>
+              <a:rPr lang="en-US" altLang="zh-CN" dirty="0"/>
+              <a:t>2-2</a:t>
+            </a:r>
+            <a:r>
+              <a:rPr lang="zh-CN" altLang="en-US" dirty="0"/>
+              <a:t>：智能照明管理系统 设备管理及设备控制中的回路</a:t>
+            </a:r>
+            <a:r>
+              <a:rPr lang="zh-CN" altLang="en-US" dirty="0" smtClean="0"/>
+              <a:t>模块</a:t>
+            </a:r>
+            <a:endParaRPr lang="zh-CN" altLang="en-US" dirty="0"/>
+          </a:p>
+        </p:txBody>
+      </p:sp>
+    </p:spTree>
+    <p:extLst>
+      <p:ext uri="{BB962C8B-B14F-4D97-AF65-F5344CB8AC3E}">
+        <p14:creationId xmlns:p14="http://schemas.microsoft.com/office/powerpoint/2010/main" val="421783038"/>
+      </p:ext>
+    </p:extLst>
+  </p:cSld>
+  <p:clrMapOvr>
+    <a:masterClrMapping/>
+  </p:clrMapOvr>
+</p:sld>
+</file>
+
+<file path=ppt/slides/slide7.xml><?xml version="1.0" encoding="utf-8"?>
+<p:sld xmlns:a="http://schemas.openxmlformats.org/drawingml/2006/main" xmlns:r="http://schemas.openxmlformats.org/officeDocument/2006/relationships" xmlns:p="http://schemas.openxmlformats.org/presentationml/2006/main">
+  <p:cSld>
+    <p:spTree>
+      <p:nvGrpSpPr>
+        <p:cNvPr id="1" name=""/>
+        <p:cNvGrpSpPr/>
+        <p:nvPr/>
+      </p:nvGrpSpPr>
+      <p:grpSpPr>
+        <a:xfrm>
+          <a:off x="0" y="0"/>
+          <a:ext cx="0" cy="0"/>
+          <a:chOff x="0" y="0"/>
+          <a:chExt cx="0" cy="0"/>
+        </a:xfrm>
+      </p:grpSpPr>
+      <p:sp>
+        <p:nvSpPr>
+          <p:cNvPr id="4" name="TextBox 3"/>
+          <p:cNvSpPr txBox="1"/>
+          <p:nvPr/>
+        </p:nvSpPr>
+        <p:spPr>
+          <a:xfrm>
+            <a:off x="1558702" y="1125538"/>
+            <a:ext cx="9001000" cy="2677656"/>
+          </a:xfrm>
+          <a:prstGeom prst="rect">
+            <a:avLst/>
+          </a:prstGeom>
+          <a:noFill/>
+        </p:spPr>
+        <p:txBody>
+          <a:bodyPr wrap="square" rtlCol="0">
+            <a:spAutoFit/>
+          </a:bodyPr>
+          <a:lstStyle/>
+          <a:p>
+            <a:r>
+              <a:rPr lang="zh-CN" altLang="en-US" dirty="0"/>
+              <a:t>学习所得的框架</a:t>
+            </a:r>
+          </a:p>
+          <a:p>
+            <a:pPr lvl="1"/>
+            <a:r>
+              <a:rPr lang="en-US" altLang="zh-CN" dirty="0"/>
+              <a:t>1</a:t>
+            </a:r>
+            <a:r>
+              <a:rPr lang="zh-CN" altLang="en-US" dirty="0"/>
+              <a:t>：</a:t>
+            </a:r>
+            <a:r>
+              <a:rPr lang="en-US" altLang="zh-CN" dirty="0"/>
+              <a:t>ant-design-</a:t>
+            </a:r>
+            <a:r>
+              <a:rPr lang="en-US" altLang="zh-CN" dirty="0" err="1"/>
+              <a:t>vue</a:t>
+            </a:r>
+            <a:r>
+              <a:rPr lang="zh-CN" altLang="en-US" dirty="0"/>
+              <a:t>前端框架内容</a:t>
+            </a:r>
+          </a:p>
+          <a:p>
+            <a:pPr lvl="1"/>
+            <a:r>
+              <a:rPr lang="en-US" altLang="zh-CN" dirty="0"/>
+              <a:t>2</a:t>
+            </a:r>
+            <a:r>
+              <a:rPr lang="zh-CN" altLang="en-US" dirty="0"/>
+              <a:t>：</a:t>
+            </a:r>
+            <a:r>
+              <a:rPr lang="en-US" altLang="zh-CN" dirty="0"/>
+              <a:t>ant-design-pro</a:t>
+            </a:r>
+            <a:r>
+              <a:rPr lang="zh-CN" altLang="en-US" dirty="0"/>
+              <a:t>框架</a:t>
+            </a:r>
+          </a:p>
+          <a:p>
+            <a:pPr lvl="1"/>
+            <a:r>
+              <a:rPr lang="en-US" altLang="zh-CN" dirty="0"/>
+              <a:t>3</a:t>
+            </a:r>
+            <a:r>
+              <a:rPr lang="zh-CN" altLang="en-US" dirty="0"/>
+              <a:t>：代码的约束式提交</a:t>
+            </a:r>
+          </a:p>
+          <a:p>
+            <a:pPr lvl="1"/>
+            <a:r>
+              <a:rPr lang="en-US" altLang="zh-CN" dirty="0"/>
+              <a:t>4</a:t>
+            </a:r>
+            <a:r>
+              <a:rPr lang="zh-CN" altLang="en-US" dirty="0"/>
+              <a:t>：学习了小程序开发框架</a:t>
+            </a:r>
+            <a:r>
+              <a:rPr lang="en-US" altLang="zh-CN" dirty="0" err="1"/>
+              <a:t>wepy</a:t>
+            </a:r>
+            <a:endParaRPr lang="en-US" altLang="zh-CN" dirty="0"/>
+          </a:p>
+          <a:p>
+            <a:pPr lvl="1"/>
+            <a:r>
+              <a:rPr lang="en-US" altLang="zh-CN" dirty="0"/>
+              <a:t>5: </a:t>
+            </a:r>
+            <a:r>
+              <a:rPr lang="zh-CN" altLang="en-US" dirty="0"/>
+              <a:t>深入学习了</a:t>
+            </a:r>
+            <a:r>
+              <a:rPr lang="en-US" altLang="zh-CN" dirty="0" err="1"/>
+              <a:t>vuejs,vuex,Vue</a:t>
+            </a:r>
+            <a:r>
+              <a:rPr lang="en-US" altLang="zh-CN" dirty="0"/>
+              <a:t> Router</a:t>
+            </a:r>
+            <a:r>
+              <a:rPr lang="zh-CN" altLang="en-US" dirty="0"/>
+              <a:t>等技术</a:t>
+            </a:r>
+          </a:p>
+          <a:p>
+            <a:pPr lvl="1"/>
+            <a:r>
+              <a:rPr lang="en-US" altLang="zh-CN" dirty="0"/>
+              <a:t>6</a:t>
+            </a:r>
+            <a:r>
+              <a:rPr lang="zh-CN" altLang="en-US" dirty="0"/>
+              <a:t>：了解</a:t>
+            </a:r>
+            <a:r>
+              <a:rPr lang="en-US" altLang="zh-CN" dirty="0" err="1"/>
+              <a:t>uni</a:t>
+            </a:r>
+            <a:r>
+              <a:rPr lang="en-US" altLang="zh-CN" dirty="0"/>
+              <a:t>-app</a:t>
+            </a:r>
+            <a:r>
+              <a:rPr lang="zh-CN" altLang="en-US" dirty="0"/>
+              <a:t>多端框架</a:t>
+            </a:r>
+          </a:p>
+          <a:p>
+            <a:endParaRPr lang="zh-CN" altLang="en-US" dirty="0"/>
+          </a:p>
+        </p:txBody>
+      </p:sp>
+    </p:spTree>
+    <p:extLst>
+      <p:ext uri="{BB962C8B-B14F-4D97-AF65-F5344CB8AC3E}">
+        <p14:creationId xmlns:p14="http://schemas.microsoft.com/office/powerpoint/2010/main" val="1677038362"/>
+      </p:ext>
+    </p:extLst>
+  </p:cSld>
+  <p:clrMapOvr>
+    <a:masterClrMapping/>
+  </p:clrMapOvr>
+</p:sld>
+</file>
+
+<file path=ppt/slides/slide8.xml><?xml version="1.0" encoding="utf-8"?>
 <p:sld xmlns:a="http://schemas.openxmlformats.org/drawingml/2006/main" xmlns:r="http://schemas.openxmlformats.org/officeDocument/2006/relationships" xmlns:p="http://schemas.openxmlformats.org/presentationml/2006/main">
   <p:cSld>
     <p:spTree>
@@ -10948,10 +11995,6 @@
               </a:rPr>
               <a:t>以往教育与工作经历概述</a:t>
             </a:r>
-            <a:endParaRPr lang="zh-CN" altLang="en-US" sz="2900" b="1" dirty="0">
-              <a:latin typeface="微软雅黑" pitchFamily="34" charset="-122"/>
-              <a:ea typeface="微软雅黑" pitchFamily="34" charset="-122"/>
-            </a:endParaRPr>
           </a:p>
           <a:p>
             <a:pPr algn="ctr">
@@ -11173,13 +12216,7 @@
               <a:rPr lang="en-US" altLang="zh-CN" sz="2400" dirty="0">
                 <a:latin typeface="微软雅黑" panose="020B0503020204020204" pitchFamily="34" charset="-122"/>
               </a:rPr>
-              <a:t> </a:t>
-            </a:r>
-            <a:r>
-              <a:rPr lang="en-US" altLang="zh-CN" sz="2400" dirty="0">
-                <a:latin typeface="微软雅黑" panose="020B0503020204020204" pitchFamily="34" charset="-122"/>
-              </a:rPr>
-              <a:t>     </a:t>
+              <a:t>      </a:t>
             </a:r>
             <a:r>
               <a:rPr lang="zh-CN" altLang="en-US" sz="2400" dirty="0">
@@ -11221,13 +12258,7 @@
               <a:rPr lang="zh-CN" altLang="en-US" sz="2400" dirty="0">
                 <a:latin typeface="微软雅黑" panose="020B0503020204020204" pitchFamily="34" charset="-122"/>
               </a:rPr>
-              <a:t>）</a:t>
-            </a:r>
-            <a:r>
-              <a:rPr lang="zh-CN" altLang="en-US" sz="2400" dirty="0">
-                <a:latin typeface="微软雅黑" panose="020B0503020204020204" pitchFamily="34" charset="-122"/>
-              </a:rPr>
-              <a:t>。</a:t>
+              <a:t>）。</a:t>
             </a:r>
             <a:endParaRPr lang="en-US" altLang="zh-CN" sz="2400" dirty="0">
               <a:latin typeface="微软雅黑" panose="020B0503020204020204" pitchFamily="34" charset="-122"/>
@@ -11277,7 +12308,7 @@
 </p:sld>
 </file>
 
-<file path=ppt/slides/slide7.xml><?xml version="1.0" encoding="utf-8"?>
+<file path=ppt/slides/slide9.xml><?xml version="1.0" encoding="utf-8"?>
 <p:sld xmlns:a="http://schemas.openxmlformats.org/drawingml/2006/main" xmlns:r="http://schemas.openxmlformats.org/officeDocument/2006/relationships" xmlns:p="http://schemas.openxmlformats.org/presentationml/2006/main">
   <p:cSld>
     <p:spTree>
@@ -12006,791 +13037,6 @@
     <p:extLst>
       <p:ext uri="{BB962C8B-B14F-4D97-AF65-F5344CB8AC3E}">
         <p14:creationId xmlns:p14="http://schemas.microsoft.com/office/powerpoint/2010/main" val="1527933959"/>
-      </p:ext>
-    </p:extLst>
-  </p:cSld>
-  <p:clrMapOvr>
-    <a:masterClrMapping/>
-  </p:clrMapOvr>
-  <p:timing>
-    <p:tnLst>
-      <p:par>
-        <p:cTn id="1" dur="indefinite" restart="never" nodeType="tmRoot"/>
-      </p:par>
-    </p:tnLst>
-  </p:timing>
-</p:sld>
-</file>
-
-<file path=ppt/slides/slide8.xml><?xml version="1.0" encoding="utf-8"?>
-<p:sld xmlns:a="http://schemas.openxmlformats.org/drawingml/2006/main" xmlns:r="http://schemas.openxmlformats.org/officeDocument/2006/relationships" xmlns:p="http://schemas.openxmlformats.org/presentationml/2006/main">
-  <p:cSld>
-    <p:spTree>
-      <p:nvGrpSpPr>
-        <p:cNvPr id="1" name=""/>
-        <p:cNvGrpSpPr/>
-        <p:nvPr/>
-      </p:nvGrpSpPr>
-      <p:grpSpPr>
-        <a:xfrm>
-          <a:off x="0" y="0"/>
-          <a:ext cx="0" cy="0"/>
-          <a:chOff x="0" y="0"/>
-          <a:chExt cx="0" cy="0"/>
-        </a:xfrm>
-      </p:grpSpPr>
-      <p:sp>
-        <p:nvSpPr>
-          <p:cNvPr id="4" name="内容占位符 5"/>
-          <p:cNvSpPr txBox="1">
-            <a:spLocks/>
-          </p:cNvSpPr>
-          <p:nvPr/>
-        </p:nvSpPr>
-        <p:spPr>
-          <a:xfrm>
-            <a:off x="609521" y="908931"/>
-            <a:ext cx="10957581" cy="5401851"/>
-          </a:xfrm>
-          <a:prstGeom prst="rect">
-            <a:avLst/>
-          </a:prstGeom>
-        </p:spPr>
-        <p:txBody>
-          <a:bodyPr lIns="108850" tIns="54425" rIns="108850" bIns="54425"/>
-          <a:lstStyle>
-            <a:lvl1pPr marL="342900" indent="-342900" algn="just" rtl="0" eaLnBrk="0" fontAlgn="base" hangingPunct="0">
-              <a:lnSpc>
-                <a:spcPct val="120000"/>
-              </a:lnSpc>
-              <a:spcBef>
-                <a:spcPct val="0"/>
-              </a:spcBef>
-              <a:spcAft>
-                <a:spcPct val="20000"/>
-              </a:spcAft>
-              <a:buClr>
-                <a:srgbClr val="5DB2FF"/>
-              </a:buClr>
-              <a:buSzPct val="80000"/>
-              <a:buFont typeface="方正书宋简体" pitchFamily="65" charset="-122"/>
-              <a:buChar char="n"/>
-              <a:defRPr sz="2400" b="1">
-                <a:solidFill>
-                  <a:schemeClr val="tx1"/>
-                </a:solidFill>
-                <a:latin typeface="+mn-lt"/>
-                <a:ea typeface="微软雅黑" pitchFamily="34" charset="-122"/>
-                <a:cs typeface="+mn-cs"/>
-              </a:defRPr>
-            </a:lvl1pPr>
-            <a:lvl2pPr marL="742950" indent="-285750" algn="just" rtl="0" eaLnBrk="0" fontAlgn="base" hangingPunct="0">
-              <a:lnSpc>
-                <a:spcPct val="120000"/>
-              </a:lnSpc>
-              <a:spcBef>
-                <a:spcPct val="0"/>
-              </a:spcBef>
-              <a:spcAft>
-                <a:spcPct val="20000"/>
-              </a:spcAft>
-              <a:buClr>
-                <a:srgbClr val="5DB2FF"/>
-              </a:buClr>
-              <a:buSzPct val="80000"/>
-              <a:buFont typeface="方正书宋简体" pitchFamily="65" charset="-122"/>
-              <a:buChar char="n"/>
-              <a:defRPr sz="2000" b="1">
-                <a:solidFill>
-                  <a:schemeClr val="tx1"/>
-                </a:solidFill>
-                <a:latin typeface="+mn-lt"/>
-                <a:ea typeface="微软雅黑" pitchFamily="34" charset="-122"/>
-              </a:defRPr>
-            </a:lvl2pPr>
-            <a:lvl3pPr marL="1143000" indent="-228600" algn="just" rtl="0" eaLnBrk="0" fontAlgn="base" hangingPunct="0">
-              <a:lnSpc>
-                <a:spcPct val="120000"/>
-              </a:lnSpc>
-              <a:spcBef>
-                <a:spcPct val="0"/>
-              </a:spcBef>
-              <a:spcAft>
-                <a:spcPct val="20000"/>
-              </a:spcAft>
-              <a:buClr>
-                <a:srgbClr val="5DB2FF"/>
-              </a:buClr>
-              <a:buSzPct val="80000"/>
-              <a:buFont typeface="方正书宋简体" pitchFamily="65" charset="-122"/>
-              <a:buChar char="n"/>
-              <a:defRPr sz="2400" b="1">
-                <a:solidFill>
-                  <a:schemeClr val="tx1"/>
-                </a:solidFill>
-                <a:latin typeface="+mn-lt"/>
-                <a:ea typeface="微软雅黑" pitchFamily="34" charset="-122"/>
-              </a:defRPr>
-            </a:lvl3pPr>
-            <a:lvl4pPr marL="1600200" indent="-228600" algn="just" rtl="0" eaLnBrk="0" fontAlgn="base" hangingPunct="0">
-              <a:lnSpc>
-                <a:spcPct val="120000"/>
-              </a:lnSpc>
-              <a:spcBef>
-                <a:spcPct val="0"/>
-              </a:spcBef>
-              <a:spcAft>
-                <a:spcPct val="20000"/>
-              </a:spcAft>
-              <a:buClr>
-                <a:srgbClr val="5DB2FF"/>
-              </a:buClr>
-              <a:buSzPct val="80000"/>
-              <a:buFont typeface="方正书宋简体" pitchFamily="65" charset="-122"/>
-              <a:buChar char="n"/>
-              <a:defRPr sz="1600" b="1">
-                <a:solidFill>
-                  <a:schemeClr val="tx1"/>
-                </a:solidFill>
-                <a:latin typeface="+mn-lt"/>
-                <a:ea typeface="微软雅黑" pitchFamily="34" charset="-122"/>
-              </a:defRPr>
-            </a:lvl4pPr>
-            <a:lvl5pPr marL="2057400" indent="-228600" algn="l" rtl="0" eaLnBrk="0" fontAlgn="base" hangingPunct="0">
-              <a:lnSpc>
-                <a:spcPct val="120000"/>
-              </a:lnSpc>
-              <a:spcBef>
-                <a:spcPct val="0"/>
-              </a:spcBef>
-              <a:spcAft>
-                <a:spcPct val="20000"/>
-              </a:spcAft>
-              <a:buClr>
-                <a:srgbClr val="5DB2FF"/>
-              </a:buClr>
-              <a:buSzPct val="80000"/>
-              <a:buFont typeface="方正书宋简体" pitchFamily="65" charset="-122"/>
-              <a:buChar char="n"/>
-              <a:defRPr sz="1000" b="1">
-                <a:solidFill>
-                  <a:schemeClr val="tx1"/>
-                </a:solidFill>
-                <a:latin typeface="+mn-lt"/>
-                <a:ea typeface="微软雅黑" pitchFamily="34" charset="-122"/>
-              </a:defRPr>
-            </a:lvl5pPr>
-            <a:lvl6pPr marL="2514600" indent="-228600" algn="l" rtl="0" eaLnBrk="1" fontAlgn="base" hangingPunct="1">
-              <a:lnSpc>
-                <a:spcPct val="120000"/>
-              </a:lnSpc>
-              <a:spcBef>
-                <a:spcPct val="0"/>
-              </a:spcBef>
-              <a:spcAft>
-                <a:spcPct val="20000"/>
-              </a:spcAft>
-              <a:buClr>
-                <a:srgbClr val="5DB2FF"/>
-              </a:buClr>
-              <a:buSzPct val="80000"/>
-              <a:buFont typeface="Wingdings" pitchFamily="2" charset="2"/>
-              <a:buChar char="n"/>
-              <a:defRPr sz="1000" b="1">
-                <a:solidFill>
-                  <a:schemeClr val="tx1"/>
-                </a:solidFill>
-                <a:latin typeface="+mn-lt"/>
-                <a:ea typeface="新細明體" pitchFamily="18" charset="-120"/>
-              </a:defRPr>
-            </a:lvl6pPr>
-            <a:lvl7pPr marL="2971800" indent="-228600" algn="l" rtl="0" eaLnBrk="1" fontAlgn="base" hangingPunct="1">
-              <a:lnSpc>
-                <a:spcPct val="120000"/>
-              </a:lnSpc>
-              <a:spcBef>
-                <a:spcPct val="0"/>
-              </a:spcBef>
-              <a:spcAft>
-                <a:spcPct val="20000"/>
-              </a:spcAft>
-              <a:buClr>
-                <a:srgbClr val="5DB2FF"/>
-              </a:buClr>
-              <a:buSzPct val="80000"/>
-              <a:buFont typeface="Wingdings" pitchFamily="2" charset="2"/>
-              <a:buChar char="n"/>
-              <a:defRPr sz="1000" b="1">
-                <a:solidFill>
-                  <a:schemeClr val="tx1"/>
-                </a:solidFill>
-                <a:latin typeface="+mn-lt"/>
-                <a:ea typeface="新細明體" pitchFamily="18" charset="-120"/>
-              </a:defRPr>
-            </a:lvl7pPr>
-            <a:lvl8pPr marL="3429000" indent="-228600" algn="l" rtl="0" eaLnBrk="1" fontAlgn="base" hangingPunct="1">
-              <a:lnSpc>
-                <a:spcPct val="120000"/>
-              </a:lnSpc>
-              <a:spcBef>
-                <a:spcPct val="0"/>
-              </a:spcBef>
-              <a:spcAft>
-                <a:spcPct val="20000"/>
-              </a:spcAft>
-              <a:buClr>
-                <a:srgbClr val="5DB2FF"/>
-              </a:buClr>
-              <a:buSzPct val="80000"/>
-              <a:buFont typeface="Wingdings" pitchFamily="2" charset="2"/>
-              <a:buChar char="n"/>
-              <a:defRPr sz="1000" b="1">
-                <a:solidFill>
-                  <a:schemeClr val="tx1"/>
-                </a:solidFill>
-                <a:latin typeface="+mn-lt"/>
-                <a:ea typeface="新細明體" pitchFamily="18" charset="-120"/>
-              </a:defRPr>
-            </a:lvl8pPr>
-            <a:lvl9pPr marL="3886200" indent="-228600" algn="l" rtl="0" eaLnBrk="1" fontAlgn="base" hangingPunct="1">
-              <a:lnSpc>
-                <a:spcPct val="120000"/>
-              </a:lnSpc>
-              <a:spcBef>
-                <a:spcPct val="0"/>
-              </a:spcBef>
-              <a:spcAft>
-                <a:spcPct val="20000"/>
-              </a:spcAft>
-              <a:buClr>
-                <a:srgbClr val="5DB2FF"/>
-              </a:buClr>
-              <a:buSzPct val="80000"/>
-              <a:buFont typeface="Wingdings" pitchFamily="2" charset="2"/>
-              <a:buChar char="n"/>
-              <a:defRPr sz="1000" b="1">
-                <a:solidFill>
-                  <a:schemeClr val="tx1"/>
-                </a:solidFill>
-                <a:latin typeface="+mn-lt"/>
-                <a:ea typeface="新細明體" pitchFamily="18" charset="-120"/>
-              </a:defRPr>
-            </a:lvl9pPr>
-          </a:lstStyle>
-          <a:p>
-            <a:pPr marL="0" indent="0">
-              <a:spcBef>
-                <a:spcPts val="1428"/>
-              </a:spcBef>
-              <a:spcAft>
-                <a:spcPts val="1428"/>
-              </a:spcAft>
-              <a:buNone/>
-            </a:pPr>
-            <a:r>
-              <a:rPr lang="zh-CN" altLang="en-US" b="0" dirty="0" smtClean="0"/>
-              <a:t>试用期内主要工作内容：</a:t>
-            </a:r>
-            <a:endParaRPr lang="en-US" altLang="zh-CN" b="0" dirty="0" smtClean="0"/>
-          </a:p>
-          <a:p>
-            <a:pPr>
-              <a:spcBef>
-                <a:spcPts val="1428"/>
-              </a:spcBef>
-              <a:spcAft>
-                <a:spcPts val="1428"/>
-              </a:spcAft>
-              <a:buFont typeface="Wingdings" pitchFamily="2" charset="2"/>
-              <a:buChar char="l"/>
-            </a:pPr>
-            <a:r>
-              <a:rPr lang="zh-CN" altLang="en-US" b="0" dirty="0" smtClean="0"/>
-              <a:t>小组文档博客的搭建</a:t>
-            </a:r>
-            <a:endParaRPr lang="en-US" altLang="zh-CN" b="0" dirty="0" smtClean="0"/>
-          </a:p>
-          <a:p>
-            <a:pPr marL="0" indent="0">
-              <a:spcBef>
-                <a:spcPts val="1428"/>
-              </a:spcBef>
-              <a:spcAft>
-                <a:spcPts val="1428"/>
-              </a:spcAft>
-              <a:buNone/>
-            </a:pPr>
-            <a:r>
-              <a:rPr lang="zh-CN" altLang="en-US" b="0" dirty="0" smtClean="0"/>
-              <a:t>（</a:t>
-            </a:r>
-            <a:r>
-              <a:rPr lang="en-US" altLang="zh-CN" b="0" dirty="0"/>
-              <a:t>http://192.168.75.252:9080/group-docs/#/</a:t>
-            </a:r>
-            <a:r>
-              <a:rPr lang="zh-CN" altLang="en-US" b="0" dirty="0" smtClean="0"/>
-              <a:t>）</a:t>
-            </a:r>
-            <a:endParaRPr lang="en-US" altLang="zh-CN" b="0" dirty="0" smtClean="0"/>
-          </a:p>
-          <a:p>
-            <a:pPr>
-              <a:spcBef>
-                <a:spcPts val="1428"/>
-              </a:spcBef>
-              <a:spcAft>
-                <a:spcPts val="1428"/>
-              </a:spcAft>
-              <a:buFont typeface="Wingdings" pitchFamily="2" charset="2"/>
-              <a:buChar char="l"/>
-            </a:pPr>
-            <a:r>
-              <a:rPr lang="zh-CN" altLang="en-US" b="0" dirty="0" smtClean="0"/>
-              <a:t>单车停车桩管理</a:t>
-            </a:r>
-            <a:r>
-              <a:rPr lang="en-US" altLang="zh-CN" b="0" dirty="0" smtClean="0"/>
-              <a:t>App</a:t>
-            </a:r>
-            <a:endParaRPr lang="zh-CN" altLang="en-US" b="0" dirty="0" smtClean="0"/>
-          </a:p>
-          <a:p>
-            <a:pPr>
-              <a:spcBef>
-                <a:spcPts val="1428"/>
-              </a:spcBef>
-              <a:spcAft>
-                <a:spcPts val="1428"/>
-              </a:spcAft>
-              <a:buFont typeface="Wingdings" pitchFamily="2" charset="2"/>
-              <a:buChar char="l"/>
-            </a:pPr>
-            <a:r>
-              <a:rPr lang="zh-CN" altLang="en-US" b="0" dirty="0"/>
-              <a:t>云</a:t>
-            </a:r>
-            <a:r>
-              <a:rPr lang="zh-CN" altLang="en-US" b="0" dirty="0" smtClean="0"/>
-              <a:t>锁管家移动</a:t>
-            </a:r>
-            <a:r>
-              <a:rPr lang="en-US" altLang="zh-CN" b="0" dirty="0" smtClean="0"/>
-              <a:t>App</a:t>
-            </a:r>
-          </a:p>
-          <a:p>
-            <a:pPr>
-              <a:spcBef>
-                <a:spcPts val="1428"/>
-              </a:spcBef>
-              <a:spcAft>
-                <a:spcPts val="1428"/>
-              </a:spcAft>
-              <a:buFont typeface="Wingdings" pitchFamily="2" charset="2"/>
-              <a:buChar char="l"/>
-            </a:pPr>
-            <a:r>
-              <a:rPr lang="zh-CN" altLang="en-US" b="0" dirty="0"/>
-              <a:t>云</a:t>
-            </a:r>
-            <a:r>
-              <a:rPr lang="zh-CN" altLang="en-US" b="0" dirty="0" smtClean="0"/>
-              <a:t>锁</a:t>
-            </a:r>
-            <a:r>
-              <a:rPr lang="en-US" altLang="zh-CN" b="0" dirty="0" smtClean="0"/>
-              <a:t>Web</a:t>
-            </a:r>
-            <a:r>
-              <a:rPr lang="zh-CN" altLang="en-US" b="0" dirty="0" smtClean="0"/>
-              <a:t>管理系统</a:t>
-            </a:r>
-            <a:endParaRPr lang="en-US" altLang="zh-CN" b="0" dirty="0" smtClean="0"/>
-          </a:p>
-        </p:txBody>
-      </p:sp>
-    </p:spTree>
-    <p:extLst>
-      <p:ext uri="{BB962C8B-B14F-4D97-AF65-F5344CB8AC3E}">
-        <p14:creationId xmlns:p14="http://schemas.microsoft.com/office/powerpoint/2010/main" val="2350004476"/>
-      </p:ext>
-    </p:extLst>
-  </p:cSld>
-  <p:clrMapOvr>
-    <a:masterClrMapping/>
-  </p:clrMapOvr>
-  <p:timing>
-    <p:tnLst>
-      <p:par>
-        <p:cTn id="1" dur="indefinite" restart="never" nodeType="tmRoot"/>
-      </p:par>
-    </p:tnLst>
-  </p:timing>
-</p:sld>
-</file>
-
-<file path=ppt/slides/slide9.xml><?xml version="1.0" encoding="utf-8"?>
-<p:sld xmlns:a="http://schemas.openxmlformats.org/drawingml/2006/main" xmlns:r="http://schemas.openxmlformats.org/officeDocument/2006/relationships" xmlns:p="http://schemas.openxmlformats.org/presentationml/2006/main">
-  <p:cSld>
-    <p:spTree>
-      <p:nvGrpSpPr>
-        <p:cNvPr id="1" name=""/>
-        <p:cNvGrpSpPr/>
-        <p:nvPr/>
-      </p:nvGrpSpPr>
-      <p:grpSpPr>
-        <a:xfrm>
-          <a:off x="0" y="0"/>
-          <a:ext cx="0" cy="0"/>
-          <a:chOff x="0" y="0"/>
-          <a:chExt cx="0" cy="0"/>
-        </a:xfrm>
-      </p:grpSpPr>
-      <p:sp>
-        <p:nvSpPr>
-          <p:cNvPr id="4" name="内容占位符 5"/>
-          <p:cNvSpPr txBox="1">
-            <a:spLocks/>
-          </p:cNvSpPr>
-          <p:nvPr/>
-        </p:nvSpPr>
-        <p:spPr>
-          <a:xfrm>
-            <a:off x="335317" y="1701202"/>
-            <a:ext cx="11519780" cy="4105406"/>
-          </a:xfrm>
-          <a:prstGeom prst="rect">
-            <a:avLst/>
-          </a:prstGeom>
-        </p:spPr>
-        <p:txBody>
-          <a:bodyPr vert="horz" lIns="108850" tIns="54425" rIns="108850" bIns="54425" rtlCol="0">
-            <a:normAutofit/>
-          </a:bodyPr>
-          <a:lstStyle>
-            <a:lvl1pPr marL="342900" indent="-342900" algn="l" defTabSz="914400" rtl="0" eaLnBrk="1" latinLnBrk="0" hangingPunct="1">
-              <a:spcBef>
-                <a:spcPct val="20000"/>
-              </a:spcBef>
-              <a:buFont typeface="Arial" pitchFamily="34" charset="0"/>
-              <a:buChar char="•"/>
-              <a:defRPr sz="3200" kern="1200">
-                <a:solidFill>
-                  <a:schemeClr val="tx1"/>
-                </a:solidFill>
-                <a:latin typeface="+mn-lt"/>
-                <a:ea typeface="+mn-ea"/>
-                <a:cs typeface="+mn-cs"/>
-              </a:defRPr>
-            </a:lvl1pPr>
-            <a:lvl2pPr marL="742950" indent="-285750" algn="l" defTabSz="914400" rtl="0" eaLnBrk="1" latinLnBrk="0" hangingPunct="1">
-              <a:spcBef>
-                <a:spcPct val="20000"/>
-              </a:spcBef>
-              <a:buFont typeface="Arial" pitchFamily="34" charset="0"/>
-              <a:buChar char="–"/>
-              <a:defRPr sz="2800" kern="1200">
-                <a:solidFill>
-                  <a:schemeClr val="tx1"/>
-                </a:solidFill>
-                <a:latin typeface="+mn-lt"/>
-                <a:ea typeface="+mn-ea"/>
-                <a:cs typeface="+mn-cs"/>
-              </a:defRPr>
-            </a:lvl2pPr>
-            <a:lvl3pPr marL="1143000" indent="-228600" algn="l" defTabSz="914400" rtl="0" eaLnBrk="1" latinLnBrk="0" hangingPunct="1">
-              <a:spcBef>
-                <a:spcPct val="20000"/>
-              </a:spcBef>
-              <a:buFont typeface="Arial" pitchFamily="34" charset="0"/>
-              <a:buChar char="•"/>
-              <a:defRPr sz="2400" kern="1200">
-                <a:solidFill>
-                  <a:schemeClr val="tx1"/>
-                </a:solidFill>
-                <a:latin typeface="+mn-lt"/>
-                <a:ea typeface="+mn-ea"/>
-                <a:cs typeface="+mn-cs"/>
-              </a:defRPr>
-            </a:lvl3pPr>
-            <a:lvl4pPr marL="1600200" indent="-228600" algn="l" defTabSz="914400" rtl="0" eaLnBrk="1" latinLnBrk="0" hangingPunct="1">
-              <a:spcBef>
-                <a:spcPct val="20000"/>
-              </a:spcBef>
-              <a:buFont typeface="Arial" pitchFamily="34" charset="0"/>
-              <a:buChar char="–"/>
-              <a:defRPr sz="2000" kern="1200">
-                <a:solidFill>
-                  <a:schemeClr val="tx1"/>
-                </a:solidFill>
-                <a:latin typeface="+mn-lt"/>
-                <a:ea typeface="+mn-ea"/>
-                <a:cs typeface="+mn-cs"/>
-              </a:defRPr>
-            </a:lvl4pPr>
-            <a:lvl5pPr marL="2057400" indent="-228600" algn="l" defTabSz="914400" rtl="0" eaLnBrk="1" latinLnBrk="0" hangingPunct="1">
-              <a:spcBef>
-                <a:spcPct val="20000"/>
-              </a:spcBef>
-              <a:buFont typeface="Arial" pitchFamily="34" charset="0"/>
-              <a:buChar char="»"/>
-              <a:defRPr sz="2000" kern="1200">
-                <a:solidFill>
-                  <a:schemeClr val="tx1"/>
-                </a:solidFill>
-                <a:latin typeface="+mn-lt"/>
-                <a:ea typeface="+mn-ea"/>
-                <a:cs typeface="+mn-cs"/>
-              </a:defRPr>
-            </a:lvl5pPr>
-            <a:lvl6pPr marL="2514600" indent="-228600" algn="l" defTabSz="914400" rtl="0" eaLnBrk="1" latinLnBrk="0" hangingPunct="1">
-              <a:spcBef>
-                <a:spcPct val="20000"/>
-              </a:spcBef>
-              <a:buFont typeface="Arial" pitchFamily="34" charset="0"/>
-              <a:buChar char="•"/>
-              <a:defRPr sz="2000" kern="1200">
-                <a:solidFill>
-                  <a:schemeClr val="tx1"/>
-                </a:solidFill>
-                <a:latin typeface="+mn-lt"/>
-                <a:ea typeface="+mn-ea"/>
-                <a:cs typeface="+mn-cs"/>
-              </a:defRPr>
-            </a:lvl6pPr>
-            <a:lvl7pPr marL="2971800" indent="-228600" algn="l" defTabSz="914400" rtl="0" eaLnBrk="1" latinLnBrk="0" hangingPunct="1">
-              <a:spcBef>
-                <a:spcPct val="20000"/>
-              </a:spcBef>
-              <a:buFont typeface="Arial" pitchFamily="34" charset="0"/>
-              <a:buChar char="•"/>
-              <a:defRPr sz="2000" kern="1200">
-                <a:solidFill>
-                  <a:schemeClr val="tx1"/>
-                </a:solidFill>
-                <a:latin typeface="+mn-lt"/>
-                <a:ea typeface="+mn-ea"/>
-                <a:cs typeface="+mn-cs"/>
-              </a:defRPr>
-            </a:lvl7pPr>
-            <a:lvl8pPr marL="3429000" indent="-228600" algn="l" defTabSz="914400" rtl="0" eaLnBrk="1" latinLnBrk="0" hangingPunct="1">
-              <a:spcBef>
-                <a:spcPct val="20000"/>
-              </a:spcBef>
-              <a:buFont typeface="Arial" pitchFamily="34" charset="0"/>
-              <a:buChar char="•"/>
-              <a:defRPr sz="2000" kern="1200">
-                <a:solidFill>
-                  <a:schemeClr val="tx1"/>
-                </a:solidFill>
-                <a:latin typeface="+mn-lt"/>
-                <a:ea typeface="+mn-ea"/>
-                <a:cs typeface="+mn-cs"/>
-              </a:defRPr>
-            </a:lvl8pPr>
-            <a:lvl9pPr marL="3886200" indent="-228600" algn="l" defTabSz="914400" rtl="0" eaLnBrk="1" latinLnBrk="0" hangingPunct="1">
-              <a:spcBef>
-                <a:spcPct val="20000"/>
-              </a:spcBef>
-              <a:buFont typeface="Arial" pitchFamily="34" charset="0"/>
-              <a:buChar char="•"/>
-              <a:defRPr sz="2000" kern="1200">
-                <a:solidFill>
-                  <a:schemeClr val="tx1"/>
-                </a:solidFill>
-                <a:latin typeface="+mn-lt"/>
-                <a:ea typeface="+mn-ea"/>
-                <a:cs typeface="+mn-cs"/>
-              </a:defRPr>
-            </a:lvl9pPr>
-          </a:lstStyle>
-          <a:p>
-            <a:pPr>
-              <a:spcBef>
-                <a:spcPts val="1428"/>
-              </a:spcBef>
-              <a:spcAft>
-                <a:spcPts val="1428"/>
-              </a:spcAft>
-              <a:buFont typeface="Wingdings" pitchFamily="2" charset="2"/>
-              <a:buChar char="l"/>
-            </a:pPr>
-            <a:r>
-              <a:rPr lang="zh-CN" altLang="en-US" dirty="0" smtClean="0">
-                <a:latin typeface="微软雅黑" pitchFamily="34" charset="-122"/>
-              </a:rPr>
-              <a:t>技术上收获：</a:t>
-            </a:r>
-            <a:endParaRPr lang="en-US" altLang="zh-CN" dirty="0" smtClean="0">
-              <a:latin typeface="微软雅黑" pitchFamily="34" charset="-122"/>
-            </a:endParaRPr>
-          </a:p>
-          <a:p>
-            <a:pPr>
-              <a:spcBef>
-                <a:spcPts val="1428"/>
-              </a:spcBef>
-              <a:spcAft>
-                <a:spcPts val="1428"/>
-              </a:spcAft>
-              <a:buFont typeface="Arial" pitchFamily="34" charset="0"/>
-              <a:buAutoNum type="arabicPeriod"/>
-            </a:pPr>
-            <a:r>
-              <a:rPr lang="en-US" altLang="zh-CN" sz="2100" dirty="0">
-                <a:latin typeface="微软雅黑" pitchFamily="34" charset="-122"/>
-              </a:rPr>
-              <a:t>从研发的过程中进一步熟悉了vue框架使用，掌握了npm，node，webpack，vue-cli，es6，element-ui, </a:t>
-            </a:r>
-            <a:r>
-              <a:rPr lang="en-US" altLang="zh-CN" sz="2100" dirty="0" err="1">
-                <a:latin typeface="微软雅黑" pitchFamily="34" charset="-122"/>
-              </a:rPr>
-              <a:t>vue</a:t>
-            </a:r>
-            <a:r>
-              <a:rPr lang="en-US" altLang="zh-CN" sz="2100" dirty="0">
-                <a:latin typeface="微软雅黑" pitchFamily="34" charset="-122"/>
-              </a:rPr>
-              <a:t>-router, </a:t>
-            </a:r>
-            <a:r>
-              <a:rPr lang="en-US" altLang="zh-CN" sz="2100" dirty="0" err="1">
-                <a:latin typeface="微软雅黑" pitchFamily="34" charset="-122"/>
-              </a:rPr>
-              <a:t>vuex等很多的知识和框架</a:t>
-            </a:r>
-            <a:r>
-              <a:rPr lang="en-US" altLang="zh-CN" sz="2100" dirty="0">
-                <a:latin typeface="微软雅黑" pitchFamily="34" charset="-122"/>
-              </a:rPr>
-              <a:t>。</a:t>
-            </a:r>
-          </a:p>
-          <a:p>
-            <a:pPr>
-              <a:spcBef>
-                <a:spcPts val="1428"/>
-              </a:spcBef>
-              <a:spcAft>
-                <a:spcPts val="1428"/>
-              </a:spcAft>
-              <a:buFont typeface="Arial" pitchFamily="34" charset="0"/>
-              <a:buAutoNum type="arabicPeriod"/>
-            </a:pPr>
-            <a:r>
-              <a:rPr lang="en-US" altLang="zh-CN" sz="2100" dirty="0" err="1">
-                <a:latin typeface="微软雅黑" pitchFamily="34" charset="-122"/>
-              </a:rPr>
-              <a:t>解决跨域问题</a:t>
-            </a:r>
-            <a:r>
-              <a:rPr lang="zh-CN" altLang="en-US" sz="2100" dirty="0">
-                <a:latin typeface="微软雅黑" pitchFamily="34" charset="-122"/>
-              </a:rPr>
-              <a:t>；</a:t>
-            </a:r>
-            <a:r>
-              <a:rPr lang="en-US" altLang="zh-CN" sz="2100" dirty="0" err="1">
-                <a:latin typeface="微软雅黑" pitchFamily="34" charset="-122"/>
-              </a:rPr>
-              <a:t>ios</a:t>
-            </a:r>
-            <a:r>
-              <a:rPr lang="zh-CN" altLang="en-US" sz="2100" dirty="0">
-                <a:latin typeface="微软雅黑" pitchFamily="34" charset="-122"/>
-              </a:rPr>
-              <a:t>对</a:t>
-            </a:r>
-            <a:r>
-              <a:rPr lang="en-US" altLang="zh-CN" sz="2100" dirty="0" err="1">
-                <a:latin typeface="微软雅黑" pitchFamily="34" charset="-122"/>
-              </a:rPr>
-              <a:t>css</a:t>
-            </a:r>
-            <a:r>
-              <a:rPr lang="zh-CN" altLang="en-US" sz="2100" dirty="0">
-                <a:latin typeface="微软雅黑" pitchFamily="34" charset="-122"/>
-              </a:rPr>
-              <a:t>的</a:t>
-            </a:r>
-            <a:r>
-              <a:rPr lang="en-US" altLang="zh-CN" sz="2100" dirty="0">
-                <a:latin typeface="微软雅黑" pitchFamily="34" charset="-122"/>
-              </a:rPr>
-              <a:t>flex</a:t>
-            </a:r>
-            <a:r>
-              <a:rPr lang="zh-CN" altLang="en-US" sz="2100" dirty="0">
-                <a:latin typeface="微软雅黑" pitchFamily="34" charset="-122"/>
-              </a:rPr>
-              <a:t>的兼容性问题。</a:t>
-            </a:r>
-            <a:endParaRPr lang="en-US" altLang="zh-CN" sz="2100" dirty="0">
-              <a:latin typeface="微软雅黑" pitchFamily="34" charset="-122"/>
-            </a:endParaRPr>
-          </a:p>
-          <a:p>
-            <a:pPr>
-              <a:spcBef>
-                <a:spcPts val="1428"/>
-              </a:spcBef>
-              <a:spcAft>
-                <a:spcPts val="1428"/>
-              </a:spcAft>
-              <a:buFont typeface="Arial" pitchFamily="34" charset="0"/>
-              <a:buAutoNum type="arabicPeriod"/>
-            </a:pPr>
-            <a:r>
-              <a:rPr lang="zh-CN" altLang="en-US" sz="2100" dirty="0">
-                <a:latin typeface="微软雅黑" pitchFamily="34" charset="-122"/>
-              </a:rPr>
-              <a:t>使用</a:t>
-            </a:r>
-            <a:r>
-              <a:rPr lang="en-US" altLang="zh-CN" sz="2100" dirty="0" err="1">
-                <a:latin typeface="微软雅黑" pitchFamily="34" charset="-122"/>
-              </a:rPr>
-              <a:t>requirejs</a:t>
-            </a:r>
-            <a:r>
-              <a:rPr lang="zh-CN" altLang="en-US" sz="2100" dirty="0">
-                <a:latin typeface="微软雅黑" pitchFamily="34" charset="-122"/>
-              </a:rPr>
-              <a:t>动态依赖加载前端代码，解决手动引入组件之间的关系。</a:t>
-            </a:r>
-            <a:endParaRPr lang="en-US" altLang="zh-CN" sz="2100" dirty="0">
-              <a:latin typeface="微软雅黑" pitchFamily="34" charset="-122"/>
-            </a:endParaRPr>
-          </a:p>
-          <a:p>
-            <a:pPr>
-              <a:spcBef>
-                <a:spcPts val="1428"/>
-              </a:spcBef>
-              <a:spcAft>
-                <a:spcPts val="1428"/>
-              </a:spcAft>
-              <a:buFont typeface="Arial" pitchFamily="34" charset="0"/>
-              <a:buAutoNum type="arabicPeriod"/>
-            </a:pPr>
-            <a:r>
-              <a:rPr lang="zh-CN" altLang="en-US" sz="2100" dirty="0">
-                <a:latin typeface="微软雅黑" pitchFamily="34" charset="-122"/>
-              </a:rPr>
-              <a:t>学习到了用户体验的一些知识，对前端页面整体布局设计有一定的帮助。</a:t>
-            </a:r>
-            <a:endParaRPr lang="en-US" altLang="zh-CN" sz="2100" dirty="0">
-              <a:latin typeface="微软雅黑" pitchFamily="34" charset="-122"/>
-            </a:endParaRPr>
-          </a:p>
-        </p:txBody>
-      </p:sp>
-    </p:spTree>
-    <p:extLst>
-      <p:ext uri="{BB962C8B-B14F-4D97-AF65-F5344CB8AC3E}">
-        <p14:creationId xmlns:p14="http://schemas.microsoft.com/office/powerpoint/2010/main" val="2515548133"/>
       </p:ext>
     </p:extLst>
   </p:cSld>
